--- a/TCC-documentos/Apresentacao/TCC_v2.pptx
+++ b/TCC-documentos/Apresentacao/TCC_v2.pptx
@@ -5,7 +5,7 @@
     <p:sldMasterId id="2147483648" r:id="rId1"/>
   </p:sldMasterIdLst>
   <p:notesMasterIdLst>
-    <p:notesMasterId r:id="rId13"/>
+    <p:notesMasterId r:id="rId14"/>
   </p:notesMasterIdLst>
   <p:sldIdLst>
     <p:sldId id="256" r:id="rId2"/>
@@ -15,10 +15,11 @@
     <p:sldId id="259" r:id="rId6"/>
     <p:sldId id="260" r:id="rId7"/>
     <p:sldId id="270" r:id="rId8"/>
-    <p:sldId id="261" r:id="rId9"/>
-    <p:sldId id="262" r:id="rId10"/>
-    <p:sldId id="263" r:id="rId11"/>
-    <p:sldId id="264" r:id="rId12"/>
+    <p:sldId id="271" r:id="rId9"/>
+    <p:sldId id="261" r:id="rId10"/>
+    <p:sldId id="262" r:id="rId11"/>
+    <p:sldId id="263" r:id="rId12"/>
+    <p:sldId id="264" r:id="rId13"/>
   </p:sldIdLst>
   <p:sldSz cx="12192000" cy="6858000"/>
   <p:notesSz cx="6858000" cy="9144000"/>
@@ -207,7 +208,7 @@
           <a:p>
             <a:fld id="{6F9B13F0-AD01-4A97-8BF1-3C60F0438B51}" type="datetimeFigureOut">
               <a:rPr lang="pt-BR" smtClean="0"/>
-              <a:t>27/08/2017</a:t>
+              <a:t>28/08/2017</a:t>
             </a:fld>
             <a:endParaRPr lang="pt-BR"/>
           </a:p>
@@ -874,7 +875,7 @@
           <a:p>
             <a:fld id="{F471F38B-4E73-4DA5-B5E1-E5A9D0323CCB}" type="datetimeFigureOut">
               <a:rPr lang="pt-BR" smtClean="0"/>
-              <a:t>27/08/2017</a:t>
+              <a:t>28/08/2017</a:t>
             </a:fld>
             <a:endParaRPr lang="pt-BR"/>
           </a:p>
@@ -1044,7 +1045,7 @@
           <a:p>
             <a:fld id="{F471F38B-4E73-4DA5-B5E1-E5A9D0323CCB}" type="datetimeFigureOut">
               <a:rPr lang="pt-BR" smtClean="0"/>
-              <a:t>27/08/2017</a:t>
+              <a:t>28/08/2017</a:t>
             </a:fld>
             <a:endParaRPr lang="pt-BR"/>
           </a:p>
@@ -1224,7 +1225,7 @@
           <a:p>
             <a:fld id="{F471F38B-4E73-4DA5-B5E1-E5A9D0323CCB}" type="datetimeFigureOut">
               <a:rPr lang="pt-BR" smtClean="0"/>
-              <a:t>27/08/2017</a:t>
+              <a:t>28/08/2017</a:t>
             </a:fld>
             <a:endParaRPr lang="pt-BR"/>
           </a:p>
@@ -1394,7 +1395,7 @@
           <a:p>
             <a:fld id="{F471F38B-4E73-4DA5-B5E1-E5A9D0323CCB}" type="datetimeFigureOut">
               <a:rPr lang="pt-BR" smtClean="0"/>
-              <a:t>27/08/2017</a:t>
+              <a:t>28/08/2017</a:t>
             </a:fld>
             <a:endParaRPr lang="pt-BR"/>
           </a:p>
@@ -1640,7 +1641,7 @@
           <a:p>
             <a:fld id="{F471F38B-4E73-4DA5-B5E1-E5A9D0323CCB}" type="datetimeFigureOut">
               <a:rPr lang="pt-BR" smtClean="0"/>
-              <a:t>27/08/2017</a:t>
+              <a:t>28/08/2017</a:t>
             </a:fld>
             <a:endParaRPr lang="pt-BR"/>
           </a:p>
@@ -1872,7 +1873,7 @@
           <a:p>
             <a:fld id="{F471F38B-4E73-4DA5-B5E1-E5A9D0323CCB}" type="datetimeFigureOut">
               <a:rPr lang="pt-BR" smtClean="0"/>
-              <a:t>27/08/2017</a:t>
+              <a:t>28/08/2017</a:t>
             </a:fld>
             <a:endParaRPr lang="pt-BR"/>
           </a:p>
@@ -2239,7 +2240,7 @@
           <a:p>
             <a:fld id="{F471F38B-4E73-4DA5-B5E1-E5A9D0323CCB}" type="datetimeFigureOut">
               <a:rPr lang="pt-BR" smtClean="0"/>
-              <a:t>27/08/2017</a:t>
+              <a:t>28/08/2017</a:t>
             </a:fld>
             <a:endParaRPr lang="pt-BR"/>
           </a:p>
@@ -2357,7 +2358,7 @@
           <a:p>
             <a:fld id="{F471F38B-4E73-4DA5-B5E1-E5A9D0323CCB}" type="datetimeFigureOut">
               <a:rPr lang="pt-BR" smtClean="0"/>
-              <a:t>27/08/2017</a:t>
+              <a:t>28/08/2017</a:t>
             </a:fld>
             <a:endParaRPr lang="pt-BR"/>
           </a:p>
@@ -2452,7 +2453,7 @@
           <a:p>
             <a:fld id="{F471F38B-4E73-4DA5-B5E1-E5A9D0323CCB}" type="datetimeFigureOut">
               <a:rPr lang="pt-BR" smtClean="0"/>
-              <a:t>27/08/2017</a:t>
+              <a:t>28/08/2017</a:t>
             </a:fld>
             <a:endParaRPr lang="pt-BR"/>
           </a:p>
@@ -2729,7 +2730,7 @@
           <a:p>
             <a:fld id="{F471F38B-4E73-4DA5-B5E1-E5A9D0323CCB}" type="datetimeFigureOut">
               <a:rPr lang="pt-BR" smtClean="0"/>
-              <a:t>27/08/2017</a:t>
+              <a:t>28/08/2017</a:t>
             </a:fld>
             <a:endParaRPr lang="pt-BR"/>
           </a:p>
@@ -2982,7 +2983,7 @@
           <a:p>
             <a:fld id="{F471F38B-4E73-4DA5-B5E1-E5A9D0323CCB}" type="datetimeFigureOut">
               <a:rPr lang="pt-BR" smtClean="0"/>
-              <a:t>27/08/2017</a:t>
+              <a:t>28/08/2017</a:t>
             </a:fld>
             <a:endParaRPr lang="pt-BR"/>
           </a:p>
@@ -3195,7 +3196,7 @@
           <a:p>
             <a:fld id="{F471F38B-4E73-4DA5-B5E1-E5A9D0323CCB}" type="datetimeFigureOut">
               <a:rPr lang="pt-BR" smtClean="0"/>
-              <a:t>27/08/2017</a:t>
+              <a:t>28/08/2017</a:t>
             </a:fld>
             <a:endParaRPr lang="pt-BR"/>
           </a:p>
@@ -3740,6 +3741,78 @@
           <a:p>
             <a:r>
               <a:rPr lang="pt-BR" dirty="0" smtClean="0"/>
+              <a:t>Cronograma</a:t>
+            </a:r>
+            <a:endParaRPr lang="pt-BR" dirty="0"/>
+          </a:p>
+        </p:txBody>
+      </p:sp>
+      <p:sp>
+        <p:nvSpPr>
+          <p:cNvPr id="3" name="Espaço Reservado para Conteúdo 2"/>
+          <p:cNvSpPr>
+            <a:spLocks noGrp="1"/>
+          </p:cNvSpPr>
+          <p:nvPr>
+            <p:ph idx="1"/>
+          </p:nvPr>
+        </p:nvSpPr>
+        <p:spPr/>
+        <p:txBody>
+          <a:bodyPr/>
+          <a:lstStyle/>
+          <a:p>
+            <a:endParaRPr lang="pt-BR"/>
+          </a:p>
+        </p:txBody>
+      </p:sp>
+    </p:spTree>
+    <p:extLst>
+      <p:ext uri="{BB962C8B-B14F-4D97-AF65-F5344CB8AC3E}">
+        <p14:creationId xmlns:p14="http://schemas.microsoft.com/office/powerpoint/2010/main" val="4240335335"/>
+      </p:ext>
+    </p:extLst>
+  </p:cSld>
+  <p:clrMapOvr>
+    <a:masterClrMapping/>
+  </p:clrMapOvr>
+</p:sld>
+</file>
+
+<file path=ppt/slides/slide11.xml><?xml version="1.0" encoding="utf-8"?>
+<p:sld xmlns:a="http://schemas.openxmlformats.org/drawingml/2006/main" xmlns:r="http://schemas.openxmlformats.org/officeDocument/2006/relationships" xmlns:p="http://schemas.openxmlformats.org/presentationml/2006/main">
+  <p:cSld>
+    <p:spTree>
+      <p:nvGrpSpPr>
+        <p:cNvPr id="1" name=""/>
+        <p:cNvGrpSpPr/>
+        <p:nvPr/>
+      </p:nvGrpSpPr>
+      <p:grpSpPr>
+        <a:xfrm>
+          <a:off x="0" y="0"/>
+          <a:ext cx="0" cy="0"/>
+          <a:chOff x="0" y="0"/>
+          <a:chExt cx="0" cy="0"/>
+        </a:xfrm>
+      </p:grpSpPr>
+      <p:sp>
+        <p:nvSpPr>
+          <p:cNvPr id="2" name="Título 1"/>
+          <p:cNvSpPr>
+            <a:spLocks noGrp="1"/>
+          </p:cNvSpPr>
+          <p:nvPr>
+            <p:ph type="title"/>
+          </p:nvPr>
+        </p:nvSpPr>
+        <p:spPr/>
+        <p:txBody>
+          <a:bodyPr/>
+          <a:lstStyle/>
+          <a:p>
+            <a:r>
+              <a:rPr lang="pt-BR" dirty="0" smtClean="0"/>
               <a:t>Conclusões</a:t>
             </a:r>
             <a:endParaRPr lang="pt-BR" dirty="0"/>
@@ -3778,7 +3851,7 @@
 </p:sld>
 </file>
 
-<file path=ppt/slides/slide11.xml><?xml version="1.0" encoding="utf-8"?>
+<file path=ppt/slides/slide12.xml><?xml version="1.0" encoding="utf-8"?>
 <p:sld xmlns:a="http://schemas.openxmlformats.org/drawingml/2006/main" xmlns:r="http://schemas.openxmlformats.org/officeDocument/2006/relationships" xmlns:p="http://schemas.openxmlformats.org/presentationml/2006/main">
   <p:cSld>
     <p:spTree>
@@ -3925,7 +3998,6 @@
               <a:rPr lang="pt-BR" sz="3600" dirty="0" smtClean="0"/>
               <a:t>Exploração de um sistema de diagnóstico</a:t>
             </a:r>
-            <a:endParaRPr lang="pt-BR" sz="3600" dirty="0" smtClean="0"/>
           </a:p>
         </p:txBody>
       </p:sp>
@@ -4040,7 +4112,6 @@
               <a:rPr lang="pt-BR" sz="3200" dirty="0" smtClean="0"/>
               <a:t>Carros com injeção eletrônica</a:t>
             </a:r>
-            <a:endParaRPr lang="pt-BR" sz="3200" dirty="0" smtClean="0"/>
           </a:p>
         </p:txBody>
       </p:sp>
@@ -4132,41 +4203,21 @@
             <a:pPr lvl="1"/>
             <a:r>
               <a:rPr lang="pt-BR" sz="3200" dirty="0" smtClean="0"/>
-              <a:t>Analisar possíveis falhas </a:t>
-            </a:r>
+              <a:t>Analisar possíveis falhas dos sensores ou anomalias eletrônicas</a:t>
+            </a:r>
+          </a:p>
+          <a:p>
+            <a:pPr lvl="1"/>
             <a:r>
               <a:rPr lang="pt-BR" sz="3200" dirty="0" smtClean="0"/>
-              <a:t>dos sensores ou </a:t>
-            </a:r>
+              <a:t>Armazenar as informações em servidores web</a:t>
+            </a:r>
+          </a:p>
+          <a:p>
+            <a:pPr lvl="1"/>
             <a:r>
               <a:rPr lang="pt-BR" sz="3200" dirty="0" smtClean="0"/>
-              <a:t>anomalias eletrônicas</a:t>
-            </a:r>
-          </a:p>
-          <a:p>
-            <a:pPr lvl="1"/>
-            <a:r>
-              <a:rPr lang="pt-BR" sz="3200" dirty="0" smtClean="0"/>
-              <a:t>Armazenar as informações </a:t>
-            </a:r>
-            <a:r>
-              <a:rPr lang="pt-BR" sz="3200" dirty="0" smtClean="0"/>
-              <a:t>em </a:t>
-            </a:r>
-            <a:r>
-              <a:rPr lang="pt-BR" sz="3200" dirty="0" smtClean="0"/>
-              <a:t>servidores web</a:t>
-            </a:r>
-          </a:p>
-          <a:p>
-            <a:pPr lvl="1"/>
-            <a:r>
-              <a:rPr lang="pt-BR" sz="3200" dirty="0" smtClean="0"/>
-              <a:t>Testar o veículo em funcionamento remotamente </a:t>
-            </a:r>
-            <a:r>
-              <a:rPr lang="pt-BR" sz="3200" dirty="0" smtClean="0"/>
-              <a:t>(via web)</a:t>
+              <a:t>Testar o veículo em funcionamento remotamente (via web)</a:t>
             </a:r>
           </a:p>
         </p:txBody>
@@ -4245,21 +4296,8 @@
           <a:p>
             <a:r>
               <a:rPr lang="pt-BR" sz="3600" dirty="0" smtClean="0"/>
-              <a:t>Dificuldade em diagnosticar falhas eletrônicas por não emitir </a:t>
-            </a:r>
-            <a:r>
-              <a:rPr lang="pt-BR" sz="3600" dirty="0" smtClean="0"/>
-              <a:t>sinais </a:t>
-            </a:r>
-            <a:r>
-              <a:rPr lang="pt-BR" sz="3600" dirty="0" smtClean="0"/>
-              <a:t>facilmente </a:t>
-            </a:r>
-            <a:r>
-              <a:rPr lang="pt-BR" sz="3600" dirty="0" smtClean="0"/>
-              <a:t>identificados</a:t>
-            </a:r>
-            <a:endParaRPr lang="pt-BR" sz="3600" dirty="0" smtClean="0"/>
+              <a:t>Dificuldade em diagnosticar falhas eletrônicas por não emitir sinais facilmente identificados</a:t>
+            </a:r>
           </a:p>
           <a:p>
             <a:r>
@@ -4286,7 +4324,6 @@
               <a:rPr lang="pt-BR" sz="3600" dirty="0" smtClean="0"/>
               <a:t>)</a:t>
             </a:r>
-            <a:endParaRPr lang="pt-BR" sz="3600" dirty="0" smtClean="0"/>
           </a:p>
         </p:txBody>
       </p:sp>
@@ -4499,6 +4536,38 @@
               <a:t>ECU</a:t>
             </a:r>
           </a:p>
+          <a:p>
+            <a:pPr lvl="1"/>
+            <a:r>
+              <a:rPr lang="pt-BR" sz="3200" dirty="0" smtClean="0"/>
+              <a:t>Unidade de Controle Eletrônico</a:t>
+            </a:r>
+          </a:p>
+          <a:p>
+            <a:pPr lvl="1"/>
+            <a:r>
+              <a:rPr lang="pt-BR" sz="3200" dirty="0" smtClean="0"/>
+              <a:t>Gerencia boa parte dos recursos do veículo</a:t>
+            </a:r>
+          </a:p>
+          <a:p>
+            <a:pPr lvl="1"/>
+            <a:r>
+              <a:rPr lang="pt-BR" sz="3200" dirty="0" smtClean="0"/>
+              <a:t>Processa os dados recebidos dos sensores e </a:t>
+            </a:r>
+            <a:r>
+              <a:rPr lang="pt-BR" sz="3200" dirty="0" smtClean="0"/>
+              <a:t>gera saída nos atuadores</a:t>
+            </a:r>
+          </a:p>
+          <a:p>
+            <a:pPr lvl="1"/>
+            <a:r>
+              <a:rPr lang="pt-BR" sz="3200" dirty="0" smtClean="0"/>
+              <a:t>Podem trabalhar de maneira distribuída</a:t>
+            </a:r>
+          </a:p>
         </p:txBody>
       </p:sp>
     </p:spTree>
@@ -4543,14 +4612,16 @@
         </p:nvSpPr>
         <p:spPr/>
         <p:txBody>
-          <a:bodyPr/>
-          <a:lstStyle/>
-          <a:p>
-            <a:r>
-              <a:rPr lang="pt-BR" dirty="0" smtClean="0"/>
-              <a:t>Metodologia</a:t>
-            </a:r>
-            <a:endParaRPr lang="pt-BR" dirty="0"/>
+          <a:bodyPr>
+            <a:normAutofit/>
+          </a:bodyPr>
+          <a:lstStyle/>
+          <a:p>
+            <a:r>
+              <a:rPr lang="pt-BR" sz="5400" dirty="0" smtClean="0"/>
+              <a:t>Fundamentação Teórica</a:t>
+            </a:r>
+            <a:endParaRPr lang="pt-BR" sz="5400" dirty="0"/>
           </a:p>
         </p:txBody>
       </p:sp>
@@ -4566,99 +4637,26 @@
         </p:nvSpPr>
         <p:spPr/>
         <p:txBody>
-          <a:bodyPr/>
-          <a:lstStyle/>
-          <a:p>
-            <a:r>
-              <a:rPr lang="pt-BR" dirty="0" smtClean="0"/>
-              <a:t>Linguagem JAVA -&gt; Python</a:t>
-            </a:r>
-          </a:p>
-          <a:p>
-            <a:r>
-              <a:rPr lang="pt-BR" dirty="0" smtClean="0"/>
-              <a:t>Biblioteca </a:t>
-            </a:r>
-            <a:r>
-              <a:rPr lang="pt-BR" dirty="0" err="1" smtClean="0"/>
-              <a:t>java</a:t>
-            </a:r>
-            <a:r>
-              <a:rPr lang="pt-BR" dirty="0" smtClean="0"/>
-              <a:t> </a:t>
-            </a:r>
-            <a:r>
-              <a:rPr lang="pt-BR" dirty="0" err="1" smtClean="0"/>
-              <a:t>Bluecove</a:t>
-            </a:r>
-            <a:endParaRPr lang="pt-BR" dirty="0" smtClean="0"/>
-          </a:p>
-          <a:p>
-            <a:r>
-              <a:rPr lang="pt-BR" dirty="0" smtClean="0"/>
-              <a:t>Framework </a:t>
-            </a:r>
-            <a:r>
-              <a:rPr lang="pt-BR" dirty="0" err="1" smtClean="0"/>
-              <a:t>JavaFx</a:t>
-            </a:r>
-            <a:endParaRPr lang="pt-BR" dirty="0" smtClean="0"/>
-          </a:p>
-          <a:p>
-            <a:r>
-              <a:rPr lang="pt-BR" dirty="0" err="1" smtClean="0"/>
-              <a:t>Raspberry</a:t>
-            </a:r>
-            <a:r>
-              <a:rPr lang="pt-BR" dirty="0" smtClean="0"/>
-              <a:t> PI3</a:t>
-            </a:r>
-          </a:p>
-          <a:p>
-            <a:r>
-              <a:rPr lang="pt-BR" dirty="0" smtClean="0"/>
-              <a:t>ELM327</a:t>
-            </a:r>
-          </a:p>
-          <a:p>
-            <a:r>
-              <a:rPr lang="pt-BR" dirty="0" err="1" smtClean="0"/>
-              <a:t>Bliblioteca</a:t>
-            </a:r>
-            <a:r>
-              <a:rPr lang="pt-BR" dirty="0"/>
-              <a:t> </a:t>
-            </a:r>
-            <a:r>
-              <a:rPr lang="pt-BR" dirty="0" smtClean="0"/>
-              <a:t>OBDII Java – (</a:t>
-            </a:r>
-            <a:r>
-              <a:rPr lang="pt-BR" dirty="0" err="1" smtClean="0"/>
-              <a:t>Github</a:t>
-            </a:r>
-            <a:r>
-              <a:rPr lang="pt-BR" dirty="0" smtClean="0"/>
-              <a:t> pires)</a:t>
-            </a:r>
-          </a:p>
-          <a:p>
-            <a:r>
-              <a:rPr lang="pt-BR" dirty="0" err="1" smtClean="0"/>
-              <a:t>Amazon</a:t>
-            </a:r>
-            <a:r>
-              <a:rPr lang="pt-BR" dirty="0" smtClean="0"/>
-              <a:t> Web Service</a:t>
-            </a:r>
-            <a:endParaRPr lang="pt-BR" dirty="0"/>
+          <a:bodyPr>
+            <a:normAutofit/>
+          </a:bodyPr>
+          <a:lstStyle/>
+          <a:p>
+            <a:r>
+              <a:rPr lang="pt-BR" sz="3600" dirty="0" smtClean="0"/>
+              <a:t>OBDII</a:t>
+            </a:r>
+          </a:p>
+          <a:p>
+            <a:pPr lvl="1"/>
+            <a:endParaRPr lang="pt-BR" sz="3200" dirty="0" smtClean="0"/>
           </a:p>
         </p:txBody>
       </p:sp>
     </p:spTree>
     <p:extLst>
       <p:ext uri="{BB962C8B-B14F-4D97-AF65-F5344CB8AC3E}">
-        <p14:creationId xmlns:p14="http://schemas.microsoft.com/office/powerpoint/2010/main" val="3820180572"/>
+        <p14:creationId xmlns:p14="http://schemas.microsoft.com/office/powerpoint/2010/main" val="53090956"/>
       </p:ext>
     </p:extLst>
   </p:cSld>
@@ -4702,7 +4700,7 @@
           <a:p>
             <a:r>
               <a:rPr lang="pt-BR" dirty="0" smtClean="0"/>
-              <a:t>Cronograma</a:t>
+              <a:t>Metodologia</a:t>
             </a:r>
             <a:endParaRPr lang="pt-BR" dirty="0"/>
           </a:p>
@@ -4723,14 +4721,96 @@
           <a:bodyPr/>
           <a:lstStyle/>
           <a:p>
-            <a:endParaRPr lang="pt-BR"/>
+            <a:r>
+              <a:rPr lang="pt-BR" dirty="0" smtClean="0"/>
+              <a:t>Linguagem JAVA -&gt; Python</a:t>
+            </a:r>
+          </a:p>
+          <a:p>
+            <a:r>
+              <a:rPr lang="pt-BR" dirty="0" smtClean="0"/>
+              <a:t>Biblioteca </a:t>
+            </a:r>
+            <a:r>
+              <a:rPr lang="pt-BR" dirty="0" err="1" smtClean="0"/>
+              <a:t>java</a:t>
+            </a:r>
+            <a:r>
+              <a:rPr lang="pt-BR" dirty="0" smtClean="0"/>
+              <a:t> </a:t>
+            </a:r>
+            <a:r>
+              <a:rPr lang="pt-BR" dirty="0" err="1" smtClean="0"/>
+              <a:t>Bluecove</a:t>
+            </a:r>
+            <a:endParaRPr lang="pt-BR" dirty="0" smtClean="0"/>
+          </a:p>
+          <a:p>
+            <a:r>
+              <a:rPr lang="pt-BR" dirty="0" smtClean="0"/>
+              <a:t>Framework </a:t>
+            </a:r>
+            <a:r>
+              <a:rPr lang="pt-BR" dirty="0" err="1" smtClean="0"/>
+              <a:t>JavaFx</a:t>
+            </a:r>
+            <a:endParaRPr lang="pt-BR" dirty="0" smtClean="0"/>
+          </a:p>
+          <a:p>
+            <a:r>
+              <a:rPr lang="pt-BR" dirty="0" err="1" smtClean="0"/>
+              <a:t>Raspberry</a:t>
+            </a:r>
+            <a:r>
+              <a:rPr lang="pt-BR" dirty="0" smtClean="0"/>
+              <a:t> PI3</a:t>
+            </a:r>
+          </a:p>
+          <a:p>
+            <a:r>
+              <a:rPr lang="pt-BR" dirty="0" smtClean="0"/>
+              <a:t>ELM327</a:t>
+            </a:r>
+          </a:p>
+          <a:p>
+            <a:r>
+              <a:rPr lang="pt-BR" dirty="0" err="1" smtClean="0"/>
+              <a:t>Bliblioteca</a:t>
+            </a:r>
+            <a:r>
+              <a:rPr lang="pt-BR" dirty="0"/>
+              <a:t> </a:t>
+            </a:r>
+            <a:r>
+              <a:rPr lang="pt-BR" dirty="0" smtClean="0"/>
+              <a:t>OBDII Java – (</a:t>
+            </a:r>
+            <a:r>
+              <a:rPr lang="pt-BR" dirty="0" err="1" smtClean="0"/>
+              <a:t>Github</a:t>
+            </a:r>
+            <a:r>
+              <a:rPr lang="pt-BR" dirty="0" smtClean="0"/>
+              <a:t> pires)</a:t>
+            </a:r>
+          </a:p>
+          <a:p>
+            <a:r>
+              <a:rPr lang="pt-BR" dirty="0" err="1" smtClean="0"/>
+              <a:t>Amazon</a:t>
+            </a:r>
+            <a:r>
+              <a:rPr lang="pt-BR" dirty="0" smtClean="0"/>
+              <a:t> Web Service</a:t>
+            </a:r>
+            <a:endParaRPr lang="pt-BR" dirty="0"/>
           </a:p>
         </p:txBody>
       </p:sp>
     </p:spTree>
     <p:extLst>
       <p:ext uri="{BB962C8B-B14F-4D97-AF65-F5344CB8AC3E}">
-        <p14:creationId xmlns:p14="http://schemas.microsoft.com/office/powerpoint/2010/main" val="4240335335"/>
+        <p14:creationId xmlns:p14="http://schemas.microsoft.com/office/powerpoint/2010/main" val="3820180572"/>
       </p:ext>
     </p:extLst>
   </p:cSld>

--- a/TCC-documentos/Apresentacao/TCC_v2.pptx
+++ b/TCC-documentos/Apresentacao/TCC_v2.pptx
@@ -5,7 +5,7 @@
     <p:sldMasterId id="2147483648" r:id="rId1"/>
   </p:sldMasterIdLst>
   <p:notesMasterIdLst>
-    <p:notesMasterId r:id="rId14"/>
+    <p:notesMasterId r:id="rId21"/>
   </p:notesMasterIdLst>
   <p:sldIdLst>
     <p:sldId id="256" r:id="rId2"/>
@@ -15,11 +15,18 @@
     <p:sldId id="259" r:id="rId6"/>
     <p:sldId id="260" r:id="rId7"/>
     <p:sldId id="270" r:id="rId8"/>
-    <p:sldId id="271" r:id="rId9"/>
-    <p:sldId id="261" r:id="rId10"/>
-    <p:sldId id="262" r:id="rId11"/>
-    <p:sldId id="263" r:id="rId12"/>
-    <p:sldId id="264" r:id="rId13"/>
+    <p:sldId id="273" r:id="rId9"/>
+    <p:sldId id="275" r:id="rId10"/>
+    <p:sldId id="271" r:id="rId11"/>
+    <p:sldId id="272" r:id="rId12"/>
+    <p:sldId id="274" r:id="rId13"/>
+    <p:sldId id="276" r:id="rId14"/>
+    <p:sldId id="277" r:id="rId15"/>
+    <p:sldId id="261" r:id="rId16"/>
+    <p:sldId id="278" r:id="rId17"/>
+    <p:sldId id="262" r:id="rId18"/>
+    <p:sldId id="263" r:id="rId19"/>
+    <p:sldId id="264" r:id="rId20"/>
   </p:sldIdLst>
   <p:sldSz cx="12192000" cy="6858000"/>
   <p:notesSz cx="6858000" cy="9144000"/>
@@ -208,7 +215,7 @@
           <a:p>
             <a:fld id="{6F9B13F0-AD01-4A97-8BF1-3C60F0438B51}" type="datetimeFigureOut">
               <a:rPr lang="pt-BR" smtClean="0"/>
-              <a:t>28/08/2017</a:t>
+              <a:t>07/09/2017</a:t>
             </a:fld>
             <a:endParaRPr lang="pt-BR"/>
           </a:p>
@@ -618,7 +625,17 @@
             </a:r>
             <a:r>
               <a:rPr lang="pt-BR" baseline="0" dirty="0" smtClean="0"/>
-              <a:t> evolução tecnológica no cenário automobilístico tem alavancado vários benefícios, como diminuição do consumo de combustível, diminuição na emissão de poluentes, etc.</a:t>
+              <a:t> evolução tecnológica no cenário automobilístico tem alavancado vários benefícios, como diminuição do consumo de combustível, diminuição na emissão de poluentes, etc</a:t>
+            </a:r>
+            <a:r>
+              <a:rPr lang="pt-BR" baseline="0" dirty="0" smtClean="0"/>
+              <a:t>.</a:t>
+            </a:r>
+          </a:p>
+          <a:p>
+            <a:r>
+              <a:rPr lang="pt-BR" baseline="0" dirty="0" smtClean="0"/>
+              <a:t>Analisando a evolução tecnológica no cenário automobilístico, observa-se que parte do funcionamento dos automóveis estão passando a ser informatizados (digital) ao invés de mecânicos</a:t>
             </a:r>
             <a:endParaRPr lang="pt-BR" dirty="0"/>
           </a:p>
@@ -875,7 +892,7 @@
           <a:p>
             <a:fld id="{F471F38B-4E73-4DA5-B5E1-E5A9D0323CCB}" type="datetimeFigureOut">
               <a:rPr lang="pt-BR" smtClean="0"/>
-              <a:t>28/08/2017</a:t>
+              <a:t>07/09/2017</a:t>
             </a:fld>
             <a:endParaRPr lang="pt-BR"/>
           </a:p>
@@ -1045,7 +1062,7 @@
           <a:p>
             <a:fld id="{F471F38B-4E73-4DA5-B5E1-E5A9D0323CCB}" type="datetimeFigureOut">
               <a:rPr lang="pt-BR" smtClean="0"/>
-              <a:t>28/08/2017</a:t>
+              <a:t>07/09/2017</a:t>
             </a:fld>
             <a:endParaRPr lang="pt-BR"/>
           </a:p>
@@ -1225,7 +1242,7 @@
           <a:p>
             <a:fld id="{F471F38B-4E73-4DA5-B5E1-E5A9D0323CCB}" type="datetimeFigureOut">
               <a:rPr lang="pt-BR" smtClean="0"/>
-              <a:t>28/08/2017</a:t>
+              <a:t>07/09/2017</a:t>
             </a:fld>
             <a:endParaRPr lang="pt-BR"/>
           </a:p>
@@ -1395,7 +1412,7 @@
           <a:p>
             <a:fld id="{F471F38B-4E73-4DA5-B5E1-E5A9D0323CCB}" type="datetimeFigureOut">
               <a:rPr lang="pt-BR" smtClean="0"/>
-              <a:t>28/08/2017</a:t>
+              <a:t>07/09/2017</a:t>
             </a:fld>
             <a:endParaRPr lang="pt-BR"/>
           </a:p>
@@ -1641,7 +1658,7 @@
           <a:p>
             <a:fld id="{F471F38B-4E73-4DA5-B5E1-E5A9D0323CCB}" type="datetimeFigureOut">
               <a:rPr lang="pt-BR" smtClean="0"/>
-              <a:t>28/08/2017</a:t>
+              <a:t>07/09/2017</a:t>
             </a:fld>
             <a:endParaRPr lang="pt-BR"/>
           </a:p>
@@ -1873,7 +1890,7 @@
           <a:p>
             <a:fld id="{F471F38B-4E73-4DA5-B5E1-E5A9D0323CCB}" type="datetimeFigureOut">
               <a:rPr lang="pt-BR" smtClean="0"/>
-              <a:t>28/08/2017</a:t>
+              <a:t>07/09/2017</a:t>
             </a:fld>
             <a:endParaRPr lang="pt-BR"/>
           </a:p>
@@ -2240,7 +2257,7 @@
           <a:p>
             <a:fld id="{F471F38B-4E73-4DA5-B5E1-E5A9D0323CCB}" type="datetimeFigureOut">
               <a:rPr lang="pt-BR" smtClean="0"/>
-              <a:t>28/08/2017</a:t>
+              <a:t>07/09/2017</a:t>
             </a:fld>
             <a:endParaRPr lang="pt-BR"/>
           </a:p>
@@ -2358,7 +2375,7 @@
           <a:p>
             <a:fld id="{F471F38B-4E73-4DA5-B5E1-E5A9D0323CCB}" type="datetimeFigureOut">
               <a:rPr lang="pt-BR" smtClean="0"/>
-              <a:t>28/08/2017</a:t>
+              <a:t>07/09/2017</a:t>
             </a:fld>
             <a:endParaRPr lang="pt-BR"/>
           </a:p>
@@ -2453,7 +2470,7 @@
           <a:p>
             <a:fld id="{F471F38B-4E73-4DA5-B5E1-E5A9D0323CCB}" type="datetimeFigureOut">
               <a:rPr lang="pt-BR" smtClean="0"/>
-              <a:t>28/08/2017</a:t>
+              <a:t>07/09/2017</a:t>
             </a:fld>
             <a:endParaRPr lang="pt-BR"/>
           </a:p>
@@ -2730,7 +2747,7 @@
           <a:p>
             <a:fld id="{F471F38B-4E73-4DA5-B5E1-E5A9D0323CCB}" type="datetimeFigureOut">
               <a:rPr lang="pt-BR" smtClean="0"/>
-              <a:t>28/08/2017</a:t>
+              <a:t>07/09/2017</a:t>
             </a:fld>
             <a:endParaRPr lang="pt-BR"/>
           </a:p>
@@ -2983,7 +3000,7 @@
           <a:p>
             <a:fld id="{F471F38B-4E73-4DA5-B5E1-E5A9D0323CCB}" type="datetimeFigureOut">
               <a:rPr lang="pt-BR" smtClean="0"/>
-              <a:t>28/08/2017</a:t>
+              <a:t>07/09/2017</a:t>
             </a:fld>
             <a:endParaRPr lang="pt-BR"/>
           </a:p>
@@ -3196,7 +3213,7 @@
           <a:p>
             <a:fld id="{F471F38B-4E73-4DA5-B5E1-E5A9D0323CCB}" type="datetimeFigureOut">
               <a:rPr lang="pt-BR" smtClean="0"/>
-              <a:t>28/08/2017</a:t>
+              <a:t>07/09/2017</a:t>
             </a:fld>
             <a:endParaRPr lang="pt-BR"/>
           </a:p>
@@ -3704,6 +3721,13 @@
   <p:clrMapOvr>
     <a:masterClrMapping/>
   </p:clrMapOvr>
+  <p:timing>
+    <p:tnLst>
+      <p:par>
+        <p:cTn id="1" dur="indefinite" restart="never" nodeType="tmRoot"/>
+      </p:par>
+    </p:tnLst>
+  </p:timing>
 </p:sld>
 </file>
 
@@ -3736,14 +3760,16 @@
         </p:nvSpPr>
         <p:spPr/>
         <p:txBody>
-          <a:bodyPr/>
-          <a:lstStyle/>
-          <a:p>
-            <a:r>
-              <a:rPr lang="pt-BR" dirty="0" smtClean="0"/>
-              <a:t>Cronograma</a:t>
-            </a:r>
-            <a:endParaRPr lang="pt-BR" dirty="0"/>
+          <a:bodyPr>
+            <a:normAutofit/>
+          </a:bodyPr>
+          <a:lstStyle/>
+          <a:p>
+            <a:r>
+              <a:rPr lang="pt-BR" sz="5400" dirty="0" smtClean="0"/>
+              <a:t>Fundamentação Teórica</a:t>
+            </a:r>
+            <a:endParaRPr lang="pt-BR" sz="5400" dirty="0"/>
           </a:p>
         </p:txBody>
       </p:sp>
@@ -3759,23 +3785,72 @@
         </p:nvSpPr>
         <p:spPr/>
         <p:txBody>
-          <a:bodyPr/>
-          <a:lstStyle/>
-          <a:p>
-            <a:endParaRPr lang="pt-BR"/>
+          <a:bodyPr>
+            <a:normAutofit/>
+          </a:bodyPr>
+          <a:lstStyle/>
+          <a:p>
+            <a:r>
+              <a:rPr lang="pt-BR" sz="3600" dirty="0" smtClean="0"/>
+              <a:t>Conector OBDII</a:t>
+            </a:r>
+            <a:endParaRPr lang="pt-BR" sz="3600" dirty="0" smtClean="0"/>
+          </a:p>
+          <a:p>
+            <a:pPr lvl="1"/>
+            <a:r>
+              <a:rPr lang="pt-BR" sz="3200" dirty="0" smtClean="0"/>
+              <a:t>Conhecido também como DLC (</a:t>
+            </a:r>
+            <a:r>
+              <a:rPr lang="pt-BR" sz="3200" dirty="0" err="1" smtClean="0"/>
+              <a:t>Diagnostic</a:t>
+            </a:r>
+            <a:r>
+              <a:rPr lang="pt-BR" sz="3200" dirty="0" smtClean="0"/>
+              <a:t> Link </a:t>
+            </a:r>
+            <a:r>
+              <a:rPr lang="pt-BR" sz="3200" dirty="0" err="1" smtClean="0"/>
+              <a:t>Connector</a:t>
+            </a:r>
+            <a:r>
+              <a:rPr lang="pt-BR" sz="3200" dirty="0" smtClean="0"/>
+              <a:t>)</a:t>
+            </a:r>
+          </a:p>
+          <a:p>
+            <a:pPr lvl="1"/>
+            <a:r>
+              <a:rPr lang="pt-BR" sz="3200" dirty="0" smtClean="0"/>
+              <a:t>Permite a comunicação de dispositivos com a rede interna do veículo</a:t>
+            </a:r>
+          </a:p>
+          <a:p>
+            <a:pPr marL="457200" lvl="1" indent="0">
+              <a:buNone/>
+            </a:pPr>
+            <a:endParaRPr lang="pt-BR" sz="3200" dirty="0" smtClean="0"/>
           </a:p>
         </p:txBody>
       </p:sp>
     </p:spTree>
     <p:extLst>
       <p:ext uri="{BB962C8B-B14F-4D97-AF65-F5344CB8AC3E}">
-        <p14:creationId xmlns:p14="http://schemas.microsoft.com/office/powerpoint/2010/main" val="4240335335"/>
+        <p14:creationId xmlns:p14="http://schemas.microsoft.com/office/powerpoint/2010/main" val="53090956"/>
       </p:ext>
     </p:extLst>
   </p:cSld>
   <p:clrMapOvr>
     <a:masterClrMapping/>
   </p:clrMapOvr>
+  <p:timing>
+    <p:tnLst>
+      <p:par>
+        <p:cTn id="1" dur="indefinite" restart="never" nodeType="tmRoot"/>
+      </p:par>
+    </p:tnLst>
+  </p:timing>
 </p:sld>
 </file>
 
@@ -3808,6 +3883,1598 @@
         </p:nvSpPr>
         <p:spPr/>
         <p:txBody>
+          <a:bodyPr>
+            <a:normAutofit/>
+          </a:bodyPr>
+          <a:lstStyle/>
+          <a:p>
+            <a:r>
+              <a:rPr lang="pt-BR" sz="5400" dirty="0" smtClean="0"/>
+              <a:t>Fundamentação Teórica</a:t>
+            </a:r>
+            <a:endParaRPr lang="pt-BR" sz="5400" dirty="0"/>
+          </a:p>
+        </p:txBody>
+      </p:sp>
+      <p:sp>
+        <p:nvSpPr>
+          <p:cNvPr id="3" name="Espaço Reservado para Conteúdo 2"/>
+          <p:cNvSpPr>
+            <a:spLocks noGrp="1"/>
+          </p:cNvSpPr>
+          <p:nvPr>
+            <p:ph idx="1"/>
+          </p:nvPr>
+        </p:nvSpPr>
+        <p:spPr/>
+        <p:txBody>
+          <a:bodyPr>
+            <a:normAutofit/>
+          </a:bodyPr>
+          <a:lstStyle/>
+          <a:p>
+            <a:r>
+              <a:rPr lang="pt-BR" sz="3600" dirty="0" smtClean="0"/>
+              <a:t>ELM327</a:t>
+            </a:r>
+          </a:p>
+          <a:p>
+            <a:pPr lvl="1"/>
+            <a:r>
+              <a:rPr lang="pt-BR" sz="3200" dirty="0" smtClean="0"/>
+              <a:t>Conecta na porta OBDII</a:t>
+            </a:r>
+            <a:endParaRPr lang="pt-BR" sz="3200" dirty="0" smtClean="0"/>
+          </a:p>
+          <a:p>
+            <a:pPr lvl="1"/>
+            <a:r>
+              <a:rPr lang="pt-BR" sz="3200" dirty="0" smtClean="0"/>
+              <a:t>Converte os protocolos da rede automotiva interna para uma interface serial padrão (RS232)</a:t>
+            </a:r>
+          </a:p>
+          <a:p>
+            <a:pPr lvl="1"/>
+            <a:r>
+              <a:rPr lang="pt-BR" sz="3200" dirty="0" smtClean="0"/>
+              <a:t>Permite que um Computador ou outros dispositivos interaja com esta rede</a:t>
+            </a:r>
+          </a:p>
+          <a:p>
+            <a:pPr lvl="1"/>
+            <a:r>
+              <a:rPr lang="pt-BR" sz="3200" dirty="0" smtClean="0"/>
+              <a:t>Oferece conectividade USB ou Bluetooth</a:t>
+            </a:r>
+            <a:endParaRPr lang="pt-BR" sz="3200" dirty="0" smtClean="0"/>
+          </a:p>
+        </p:txBody>
+      </p:sp>
+    </p:spTree>
+    <p:extLst>
+      <p:ext uri="{BB962C8B-B14F-4D97-AF65-F5344CB8AC3E}">
+        <p14:creationId xmlns:p14="http://schemas.microsoft.com/office/powerpoint/2010/main" val="3930553897"/>
+      </p:ext>
+    </p:extLst>
+  </p:cSld>
+  <p:clrMapOvr>
+    <a:masterClrMapping/>
+  </p:clrMapOvr>
+  <p:timing>
+    <p:tnLst>
+      <p:par>
+        <p:cTn id="1" dur="indefinite" restart="never" nodeType="tmRoot"/>
+      </p:par>
+    </p:tnLst>
+  </p:timing>
+</p:sld>
+</file>
+
+<file path=ppt/slides/slide12.xml><?xml version="1.0" encoding="utf-8"?>
+<p:sld xmlns:a="http://schemas.openxmlformats.org/drawingml/2006/main" xmlns:r="http://schemas.openxmlformats.org/officeDocument/2006/relationships" xmlns:p="http://schemas.openxmlformats.org/presentationml/2006/main">
+  <p:cSld>
+    <p:spTree>
+      <p:nvGrpSpPr>
+        <p:cNvPr id="1" name=""/>
+        <p:cNvGrpSpPr/>
+        <p:nvPr/>
+      </p:nvGrpSpPr>
+      <p:grpSpPr>
+        <a:xfrm>
+          <a:off x="0" y="0"/>
+          <a:ext cx="0" cy="0"/>
+          <a:chOff x="0" y="0"/>
+          <a:chExt cx="0" cy="0"/>
+        </a:xfrm>
+      </p:grpSpPr>
+      <p:sp>
+        <p:nvSpPr>
+          <p:cNvPr id="2" name="Título 1"/>
+          <p:cNvSpPr>
+            <a:spLocks noGrp="1"/>
+          </p:cNvSpPr>
+          <p:nvPr>
+            <p:ph type="title"/>
+          </p:nvPr>
+        </p:nvSpPr>
+        <p:spPr/>
+        <p:txBody>
+          <a:bodyPr>
+            <a:normAutofit/>
+          </a:bodyPr>
+          <a:lstStyle/>
+          <a:p>
+            <a:r>
+              <a:rPr lang="pt-BR" sz="5400" dirty="0" smtClean="0"/>
+              <a:t>Fundamentação Teórica</a:t>
+            </a:r>
+            <a:endParaRPr lang="pt-BR" sz="5400" dirty="0"/>
+          </a:p>
+        </p:txBody>
+      </p:sp>
+      <p:sp>
+        <p:nvSpPr>
+          <p:cNvPr id="3" name="Espaço Reservado para Conteúdo 2"/>
+          <p:cNvSpPr>
+            <a:spLocks noGrp="1"/>
+          </p:cNvSpPr>
+          <p:nvPr>
+            <p:ph idx="1"/>
+          </p:nvPr>
+        </p:nvSpPr>
+        <p:spPr/>
+        <p:txBody>
+          <a:bodyPr>
+            <a:normAutofit/>
+          </a:bodyPr>
+          <a:lstStyle/>
+          <a:p>
+            <a:r>
+              <a:rPr lang="pt-BR" sz="3600" dirty="0"/>
+              <a:t>Parâmetros de requisição (</a:t>
+            </a:r>
+            <a:r>
+              <a:rPr lang="pt-BR" sz="3600" dirty="0" err="1"/>
+              <a:t>Mode</a:t>
+            </a:r>
+            <a:r>
+              <a:rPr lang="pt-BR" sz="3600" dirty="0"/>
+              <a:t>/PID</a:t>
+            </a:r>
+            <a:r>
+              <a:rPr lang="pt-BR" sz="3600" dirty="0" smtClean="0"/>
+              <a:t>)</a:t>
+            </a:r>
+          </a:p>
+          <a:p>
+            <a:pPr lvl="1"/>
+            <a:r>
+              <a:rPr lang="pt-BR" sz="3200" dirty="0" smtClean="0"/>
+              <a:t>Toda requisição feita é composta por 2 bytes</a:t>
+            </a:r>
+          </a:p>
+          <a:p>
+            <a:pPr lvl="1"/>
+            <a:r>
+              <a:rPr lang="pt-BR" sz="3200" dirty="0" smtClean="0"/>
+              <a:t>1º Byte =&gt; </a:t>
+            </a:r>
+            <a:r>
+              <a:rPr lang="pt-BR" sz="3200" dirty="0" err="1" smtClean="0"/>
+              <a:t>Mode</a:t>
+            </a:r>
+            <a:r>
+              <a:rPr lang="pt-BR" sz="3200" dirty="0" smtClean="0"/>
+              <a:t> (“Modo)</a:t>
+            </a:r>
+          </a:p>
+          <a:p>
+            <a:pPr lvl="2"/>
+            <a:r>
+              <a:rPr lang="pt-BR" sz="2800" dirty="0" smtClean="0"/>
+              <a:t>Informa o tipo de dados que está sendo solicitado</a:t>
+            </a:r>
+          </a:p>
+          <a:p>
+            <a:pPr lvl="2"/>
+            <a:r>
+              <a:rPr lang="pt-BR" sz="2800" dirty="0" err="1" smtClean="0"/>
+              <a:t>Ex</a:t>
+            </a:r>
+            <a:r>
+              <a:rPr lang="pt-BR" sz="2800" dirty="0" smtClean="0"/>
+              <a:t>: dados atuais, códigos de problemas de diagnóstico, </a:t>
+            </a:r>
+            <a:r>
+              <a:rPr lang="pt-BR" sz="2800" dirty="0" err="1" smtClean="0"/>
+              <a:t>etc</a:t>
+            </a:r>
+            <a:endParaRPr lang="pt-BR" sz="2800" dirty="0"/>
+          </a:p>
+          <a:p>
+            <a:pPr lvl="1"/>
+            <a:r>
+              <a:rPr lang="pt-BR" sz="3200" dirty="0" smtClean="0"/>
+              <a:t>2º Byte =&gt; PID (“Id de parâmetro)</a:t>
+            </a:r>
+            <a:endParaRPr lang="pt-BR" sz="2800" dirty="0" smtClean="0"/>
+          </a:p>
+          <a:p>
+            <a:pPr lvl="2"/>
+            <a:r>
+              <a:rPr lang="pt-BR" sz="2800" dirty="0" smtClean="0"/>
+              <a:t>Especifica a informação requerida</a:t>
+            </a:r>
+          </a:p>
+          <a:p>
+            <a:pPr lvl="2"/>
+            <a:r>
+              <a:rPr lang="pt-BR" sz="2800" dirty="0" err="1" smtClean="0"/>
+              <a:t>Ex</a:t>
+            </a:r>
+            <a:r>
+              <a:rPr lang="pt-BR" sz="2800" dirty="0" smtClean="0"/>
+              <a:t>: id do sensor de temperatura do óleo</a:t>
+            </a:r>
+          </a:p>
+          <a:p>
+            <a:pPr lvl="1"/>
+            <a:endParaRPr lang="pt-BR" sz="3200" dirty="0" smtClean="0"/>
+          </a:p>
+        </p:txBody>
+      </p:sp>
+    </p:spTree>
+    <p:extLst>
+      <p:ext uri="{BB962C8B-B14F-4D97-AF65-F5344CB8AC3E}">
+        <p14:creationId xmlns:p14="http://schemas.microsoft.com/office/powerpoint/2010/main" val="3412792081"/>
+      </p:ext>
+    </p:extLst>
+  </p:cSld>
+  <p:clrMapOvr>
+    <a:masterClrMapping/>
+  </p:clrMapOvr>
+</p:sld>
+</file>
+
+<file path=ppt/slides/slide13.xml><?xml version="1.0" encoding="utf-8"?>
+<p:sld xmlns:a="http://schemas.openxmlformats.org/drawingml/2006/main" xmlns:r="http://schemas.openxmlformats.org/officeDocument/2006/relationships" xmlns:p="http://schemas.openxmlformats.org/presentationml/2006/main">
+  <p:cSld>
+    <p:spTree>
+      <p:nvGrpSpPr>
+        <p:cNvPr id="1" name=""/>
+        <p:cNvGrpSpPr/>
+        <p:nvPr/>
+      </p:nvGrpSpPr>
+      <p:grpSpPr>
+        <a:xfrm>
+          <a:off x="0" y="0"/>
+          <a:ext cx="0" cy="0"/>
+          <a:chOff x="0" y="0"/>
+          <a:chExt cx="0" cy="0"/>
+        </a:xfrm>
+      </p:grpSpPr>
+      <p:sp>
+        <p:nvSpPr>
+          <p:cNvPr id="2" name="Título 1"/>
+          <p:cNvSpPr>
+            <a:spLocks noGrp="1"/>
+          </p:cNvSpPr>
+          <p:nvPr>
+            <p:ph type="title"/>
+          </p:nvPr>
+        </p:nvSpPr>
+        <p:spPr/>
+        <p:txBody>
+          <a:bodyPr>
+            <a:normAutofit/>
+          </a:bodyPr>
+          <a:lstStyle/>
+          <a:p>
+            <a:r>
+              <a:rPr lang="pt-BR" sz="5400" dirty="0" smtClean="0"/>
+              <a:t>Fundamentação Teórica</a:t>
+            </a:r>
+            <a:endParaRPr lang="pt-BR" sz="5400" dirty="0"/>
+          </a:p>
+        </p:txBody>
+      </p:sp>
+      <p:sp>
+        <p:nvSpPr>
+          <p:cNvPr id="3" name="Espaço Reservado para Conteúdo 2"/>
+          <p:cNvSpPr>
+            <a:spLocks noGrp="1"/>
+          </p:cNvSpPr>
+          <p:nvPr>
+            <p:ph idx="1"/>
+          </p:nvPr>
+        </p:nvSpPr>
+        <p:spPr/>
+        <p:txBody>
+          <a:bodyPr>
+            <a:normAutofit/>
+          </a:bodyPr>
+          <a:lstStyle/>
+          <a:p>
+            <a:r>
+              <a:rPr lang="pt-BR" sz="3600" dirty="0"/>
+              <a:t>Parâmetros de requisição (</a:t>
+            </a:r>
+            <a:r>
+              <a:rPr lang="pt-BR" sz="3600" dirty="0" err="1"/>
+              <a:t>Mode</a:t>
+            </a:r>
+            <a:r>
+              <a:rPr lang="pt-BR" sz="3600" dirty="0"/>
+              <a:t>/PID</a:t>
+            </a:r>
+            <a:r>
+              <a:rPr lang="pt-BR" sz="3600" dirty="0" smtClean="0"/>
+              <a:t>)</a:t>
+            </a:r>
+          </a:p>
+          <a:p>
+            <a:pPr lvl="1"/>
+            <a:r>
+              <a:rPr lang="pt-BR" sz="3200" dirty="0" smtClean="0"/>
+              <a:t>Exemplo</a:t>
+            </a:r>
+          </a:p>
+          <a:p>
+            <a:pPr marL="457200" lvl="1" indent="0">
+              <a:buNone/>
+            </a:pPr>
+            <a:endParaRPr lang="pt-BR" sz="3200" dirty="0"/>
+          </a:p>
+          <a:p>
+            <a:pPr marL="457200" lvl="1" indent="0">
+              <a:buNone/>
+            </a:pPr>
+            <a:r>
+              <a:rPr lang="pt-BR" sz="3200" dirty="0" smtClean="0"/>
+              <a:t>	</a:t>
+            </a:r>
+            <a:r>
+              <a:rPr lang="pt-BR" sz="3600" dirty="0" smtClean="0"/>
+              <a:t>“01 5C”</a:t>
+            </a:r>
+          </a:p>
+          <a:p>
+            <a:pPr marL="457200" lvl="1" indent="0">
+              <a:buNone/>
+            </a:pPr>
+            <a:r>
+              <a:rPr lang="pt-BR" sz="3200" dirty="0"/>
+              <a:t>	</a:t>
+            </a:r>
+            <a:r>
+              <a:rPr lang="pt-BR" sz="3200" dirty="0" smtClean="0"/>
+              <a:t>“01” =&gt; </a:t>
+            </a:r>
+            <a:r>
+              <a:rPr lang="pt-BR" sz="3200" dirty="0" err="1" smtClean="0"/>
+              <a:t>Mode</a:t>
+            </a:r>
+            <a:r>
+              <a:rPr lang="pt-BR" sz="3200" dirty="0" smtClean="0"/>
+              <a:t> = mostrar dados atuais</a:t>
+            </a:r>
+          </a:p>
+          <a:p>
+            <a:pPr marL="457200" lvl="1" indent="0">
+              <a:buNone/>
+            </a:pPr>
+            <a:r>
+              <a:rPr lang="pt-BR" sz="3200" dirty="0"/>
+              <a:t>	</a:t>
+            </a:r>
+            <a:r>
+              <a:rPr lang="pt-BR" sz="3200" dirty="0" smtClean="0"/>
+              <a:t>“5C” =&gt; PID = Id do sensor de temperatura do óleo</a:t>
+            </a:r>
+            <a:endParaRPr lang="pt-BR" sz="2800" dirty="0" smtClean="0"/>
+          </a:p>
+          <a:p>
+            <a:pPr lvl="1"/>
+            <a:endParaRPr lang="pt-BR" sz="3200" dirty="0" smtClean="0"/>
+          </a:p>
+        </p:txBody>
+      </p:sp>
+    </p:spTree>
+    <p:extLst>
+      <p:ext uri="{BB962C8B-B14F-4D97-AF65-F5344CB8AC3E}">
+        <p14:creationId xmlns:p14="http://schemas.microsoft.com/office/powerpoint/2010/main" val="689506534"/>
+      </p:ext>
+    </p:extLst>
+  </p:cSld>
+  <p:clrMapOvr>
+    <a:masterClrMapping/>
+  </p:clrMapOvr>
+</p:sld>
+</file>
+
+<file path=ppt/slides/slide14.xml><?xml version="1.0" encoding="utf-8"?>
+<p:sld xmlns:a="http://schemas.openxmlformats.org/drawingml/2006/main" xmlns:r="http://schemas.openxmlformats.org/officeDocument/2006/relationships" xmlns:p="http://schemas.openxmlformats.org/presentationml/2006/main">
+  <p:cSld>
+    <p:spTree>
+      <p:nvGrpSpPr>
+        <p:cNvPr id="1" name=""/>
+        <p:cNvGrpSpPr/>
+        <p:nvPr/>
+      </p:nvGrpSpPr>
+      <p:grpSpPr>
+        <a:xfrm>
+          <a:off x="0" y="0"/>
+          <a:ext cx="0" cy="0"/>
+          <a:chOff x="0" y="0"/>
+          <a:chExt cx="0" cy="0"/>
+        </a:xfrm>
+      </p:grpSpPr>
+      <p:sp>
+        <p:nvSpPr>
+          <p:cNvPr id="17" name="Retângulo 16"/>
+          <p:cNvSpPr/>
+          <p:nvPr/>
+        </p:nvSpPr>
+        <p:spPr>
+          <a:xfrm>
+            <a:off x="887183" y="2197213"/>
+            <a:ext cx="7866743" cy="4170421"/>
+          </a:xfrm>
+          <a:prstGeom prst="rect">
+            <a:avLst/>
+          </a:prstGeom>
+          <a:solidFill>
+            <a:schemeClr val="bg2"/>
+          </a:solidFill>
+        </p:spPr>
+        <p:style>
+          <a:lnRef idx="2">
+            <a:schemeClr val="accent1">
+              <a:shade val="50000"/>
+            </a:schemeClr>
+          </a:lnRef>
+          <a:fillRef idx="1">
+            <a:schemeClr val="accent1"/>
+          </a:fillRef>
+          <a:effectRef idx="0">
+            <a:schemeClr val="accent1"/>
+          </a:effectRef>
+          <a:fontRef idx="minor">
+            <a:schemeClr val="lt1"/>
+          </a:fontRef>
+        </p:style>
+        <p:txBody>
+          <a:bodyPr rtlCol="0" anchor="ctr"/>
+          <a:lstStyle/>
+          <a:p>
+            <a:pPr algn="ctr"/>
+            <a:endParaRPr lang="pt-BR"/>
+          </a:p>
+        </p:txBody>
+      </p:sp>
+      <p:sp>
+        <p:nvSpPr>
+          <p:cNvPr id="2" name="Título 1"/>
+          <p:cNvSpPr>
+            <a:spLocks noGrp="1"/>
+          </p:cNvSpPr>
+          <p:nvPr>
+            <p:ph type="title"/>
+          </p:nvPr>
+        </p:nvSpPr>
+        <p:spPr/>
+        <p:txBody>
+          <a:bodyPr>
+            <a:normAutofit/>
+          </a:bodyPr>
+          <a:lstStyle/>
+          <a:p>
+            <a:r>
+              <a:rPr lang="pt-BR" sz="5400" dirty="0" smtClean="0"/>
+              <a:t>Fundamentação Teórica</a:t>
+            </a:r>
+            <a:endParaRPr lang="pt-BR" sz="5400" dirty="0"/>
+          </a:p>
+        </p:txBody>
+      </p:sp>
+      <p:sp>
+        <p:nvSpPr>
+          <p:cNvPr id="3" name="Espaço Reservado para Conteúdo 2"/>
+          <p:cNvSpPr>
+            <a:spLocks noGrp="1"/>
+          </p:cNvSpPr>
+          <p:nvPr>
+            <p:ph idx="1"/>
+          </p:nvPr>
+        </p:nvSpPr>
+        <p:spPr>
+          <a:xfrm>
+            <a:off x="827308" y="1556768"/>
+            <a:ext cx="10515600" cy="4351338"/>
+          </a:xfrm>
+        </p:spPr>
+        <p:txBody>
+          <a:bodyPr>
+            <a:normAutofit/>
+          </a:bodyPr>
+          <a:lstStyle/>
+          <a:p>
+            <a:pPr marL="0" indent="0">
+              <a:buNone/>
+            </a:pPr>
+            <a:r>
+              <a:rPr lang="pt-BR" sz="3600" dirty="0" smtClean="0"/>
+              <a:t>Representação:</a:t>
+            </a:r>
+          </a:p>
+          <a:p>
+            <a:pPr marL="0" indent="0">
+              <a:buNone/>
+            </a:pPr>
+            <a:endParaRPr lang="pt-BR" sz="3600" dirty="0" smtClean="0"/>
+          </a:p>
+        </p:txBody>
+      </p:sp>
+      <p:sp>
+        <p:nvSpPr>
+          <p:cNvPr id="4" name="Retângulo 3"/>
+          <p:cNvSpPr/>
+          <p:nvPr/>
+        </p:nvSpPr>
+        <p:spPr>
+          <a:xfrm>
+            <a:off x="3802741" y="2409372"/>
+            <a:ext cx="1640114" cy="885371"/>
+          </a:xfrm>
+          <a:prstGeom prst="rect">
+            <a:avLst/>
+          </a:prstGeom>
+        </p:spPr>
+        <p:style>
+          <a:lnRef idx="2">
+            <a:schemeClr val="accent1">
+              <a:shade val="50000"/>
+            </a:schemeClr>
+          </a:lnRef>
+          <a:fillRef idx="1">
+            <a:schemeClr val="accent1"/>
+          </a:fillRef>
+          <a:effectRef idx="0">
+            <a:schemeClr val="accent1"/>
+          </a:effectRef>
+          <a:fontRef idx="minor">
+            <a:schemeClr val="lt1"/>
+          </a:fontRef>
+        </p:style>
+        <p:txBody>
+          <a:bodyPr rtlCol="0" anchor="ctr"/>
+          <a:lstStyle/>
+          <a:p>
+            <a:pPr algn="ctr"/>
+            <a:r>
+              <a:rPr lang="pt-BR" sz="3200" b="1" dirty="0" smtClean="0"/>
+              <a:t>ECU</a:t>
+            </a:r>
+            <a:endParaRPr lang="pt-BR" sz="3200" b="1" dirty="0"/>
+          </a:p>
+        </p:txBody>
+      </p:sp>
+      <p:sp>
+        <p:nvSpPr>
+          <p:cNvPr id="5" name="Retângulo 4"/>
+          <p:cNvSpPr/>
+          <p:nvPr/>
+        </p:nvSpPr>
+        <p:spPr>
+          <a:xfrm>
+            <a:off x="3664854" y="3732780"/>
+            <a:ext cx="1915887" cy="885371"/>
+          </a:xfrm>
+          <a:prstGeom prst="rect">
+            <a:avLst/>
+          </a:prstGeom>
+          <a:solidFill>
+            <a:srgbClr val="00B050"/>
+          </a:solidFill>
+          <a:ln>
+            <a:solidFill>
+              <a:srgbClr val="00B050"/>
+            </a:solidFill>
+          </a:ln>
+        </p:spPr>
+        <p:style>
+          <a:lnRef idx="2">
+            <a:schemeClr val="accent1">
+              <a:shade val="50000"/>
+            </a:schemeClr>
+          </a:lnRef>
+          <a:fillRef idx="1">
+            <a:schemeClr val="accent1"/>
+          </a:fillRef>
+          <a:effectRef idx="0">
+            <a:schemeClr val="accent1"/>
+          </a:effectRef>
+          <a:fontRef idx="minor">
+            <a:schemeClr val="lt1"/>
+          </a:fontRef>
+        </p:style>
+        <p:txBody>
+          <a:bodyPr rtlCol="0" anchor="ctr"/>
+          <a:lstStyle/>
+          <a:p>
+            <a:pPr algn="ctr"/>
+            <a:r>
+              <a:rPr lang="pt-BR" sz="3200" b="1" dirty="0" smtClean="0"/>
+              <a:t>Protocolo CAN</a:t>
+            </a:r>
+            <a:endParaRPr lang="pt-BR" sz="3200" b="1" dirty="0"/>
+          </a:p>
+        </p:txBody>
+      </p:sp>
+      <p:sp>
+        <p:nvSpPr>
+          <p:cNvPr id="6" name="Retângulo 5"/>
+          <p:cNvSpPr/>
+          <p:nvPr/>
+        </p:nvSpPr>
+        <p:spPr>
+          <a:xfrm>
+            <a:off x="1386111" y="3732779"/>
+            <a:ext cx="1734459" cy="885371"/>
+          </a:xfrm>
+          <a:prstGeom prst="rect">
+            <a:avLst/>
+          </a:prstGeom>
+        </p:spPr>
+        <p:style>
+          <a:lnRef idx="2">
+            <a:schemeClr val="accent1">
+              <a:shade val="50000"/>
+            </a:schemeClr>
+          </a:lnRef>
+          <a:fillRef idx="1">
+            <a:schemeClr val="accent1"/>
+          </a:fillRef>
+          <a:effectRef idx="0">
+            <a:schemeClr val="accent1"/>
+          </a:effectRef>
+          <a:fontRef idx="minor">
+            <a:schemeClr val="lt1"/>
+          </a:fontRef>
+        </p:style>
+        <p:txBody>
+          <a:bodyPr rtlCol="0" anchor="ctr"/>
+          <a:lstStyle/>
+          <a:p>
+            <a:pPr algn="ctr"/>
+            <a:r>
+              <a:rPr lang="pt-BR" sz="3200" b="1" dirty="0" smtClean="0"/>
+              <a:t>Sensores</a:t>
+            </a:r>
+            <a:endParaRPr lang="pt-BR" sz="3200" b="1" dirty="0"/>
+          </a:p>
+        </p:txBody>
+      </p:sp>
+      <p:sp>
+        <p:nvSpPr>
+          <p:cNvPr id="7" name="Retângulo 6"/>
+          <p:cNvSpPr/>
+          <p:nvPr/>
+        </p:nvSpPr>
+        <p:spPr>
+          <a:xfrm>
+            <a:off x="6125025" y="3732779"/>
+            <a:ext cx="2039258" cy="885371"/>
+          </a:xfrm>
+          <a:prstGeom prst="rect">
+            <a:avLst/>
+          </a:prstGeom>
+        </p:spPr>
+        <p:style>
+          <a:lnRef idx="2">
+            <a:schemeClr val="accent1">
+              <a:shade val="50000"/>
+            </a:schemeClr>
+          </a:lnRef>
+          <a:fillRef idx="1">
+            <a:schemeClr val="accent1"/>
+          </a:fillRef>
+          <a:effectRef idx="0">
+            <a:schemeClr val="accent1"/>
+          </a:effectRef>
+          <a:fontRef idx="minor">
+            <a:schemeClr val="lt1"/>
+          </a:fontRef>
+        </p:style>
+        <p:txBody>
+          <a:bodyPr rtlCol="0" anchor="ctr"/>
+          <a:lstStyle/>
+          <a:p>
+            <a:pPr algn="ctr"/>
+            <a:r>
+              <a:rPr lang="pt-BR" sz="3200" b="1" dirty="0" smtClean="0"/>
+              <a:t>Atuadores</a:t>
+            </a:r>
+            <a:endParaRPr lang="pt-BR" sz="3200" b="1" dirty="0"/>
+          </a:p>
+        </p:txBody>
+      </p:sp>
+      <p:sp>
+        <p:nvSpPr>
+          <p:cNvPr id="8" name="Retângulo 7"/>
+          <p:cNvSpPr/>
+          <p:nvPr/>
+        </p:nvSpPr>
+        <p:spPr>
+          <a:xfrm>
+            <a:off x="3802740" y="5151212"/>
+            <a:ext cx="1640114" cy="885371"/>
+          </a:xfrm>
+          <a:prstGeom prst="rect">
+            <a:avLst/>
+          </a:prstGeom>
+        </p:spPr>
+        <p:style>
+          <a:lnRef idx="2">
+            <a:schemeClr val="accent1">
+              <a:shade val="50000"/>
+            </a:schemeClr>
+          </a:lnRef>
+          <a:fillRef idx="1">
+            <a:schemeClr val="accent1"/>
+          </a:fillRef>
+          <a:effectRef idx="0">
+            <a:schemeClr val="accent1"/>
+          </a:effectRef>
+          <a:fontRef idx="minor">
+            <a:schemeClr val="lt1"/>
+          </a:fontRef>
+        </p:style>
+        <p:txBody>
+          <a:bodyPr rtlCol="0" anchor="ctr"/>
+          <a:lstStyle/>
+          <a:p>
+            <a:pPr algn="ctr"/>
+            <a:r>
+              <a:rPr lang="pt-BR" sz="3200" b="1" dirty="0" smtClean="0"/>
+              <a:t>OBDII</a:t>
+            </a:r>
+          </a:p>
+        </p:txBody>
+      </p:sp>
+      <p:sp>
+        <p:nvSpPr>
+          <p:cNvPr id="9" name="Retângulo 8"/>
+          <p:cNvSpPr/>
+          <p:nvPr/>
+        </p:nvSpPr>
+        <p:spPr>
+          <a:xfrm>
+            <a:off x="9789880" y="5151212"/>
+            <a:ext cx="1640114" cy="885371"/>
+          </a:xfrm>
+          <a:prstGeom prst="rect">
+            <a:avLst/>
+          </a:prstGeom>
+        </p:spPr>
+        <p:style>
+          <a:lnRef idx="2">
+            <a:schemeClr val="accent1">
+              <a:shade val="50000"/>
+            </a:schemeClr>
+          </a:lnRef>
+          <a:fillRef idx="1">
+            <a:schemeClr val="accent1"/>
+          </a:fillRef>
+          <a:effectRef idx="0">
+            <a:schemeClr val="accent1"/>
+          </a:effectRef>
+          <a:fontRef idx="minor">
+            <a:schemeClr val="lt1"/>
+          </a:fontRef>
+        </p:style>
+        <p:txBody>
+          <a:bodyPr rtlCol="0" anchor="ctr"/>
+          <a:lstStyle/>
+          <a:p>
+            <a:pPr algn="ctr"/>
+            <a:r>
+              <a:rPr lang="pt-BR" sz="3200" b="1" dirty="0" smtClean="0"/>
+              <a:t>ELM327</a:t>
+            </a:r>
+            <a:endParaRPr lang="pt-BR" sz="3200" b="1" dirty="0"/>
+          </a:p>
+        </p:txBody>
+      </p:sp>
+      <p:sp>
+        <p:nvSpPr>
+          <p:cNvPr id="10" name="Seta para a esquerda e para a direita 9"/>
+          <p:cNvSpPr/>
+          <p:nvPr/>
+        </p:nvSpPr>
+        <p:spPr>
+          <a:xfrm>
+            <a:off x="5647868" y="4086053"/>
+            <a:ext cx="410029" cy="178822"/>
+          </a:xfrm>
+          <a:prstGeom prst="leftRightArrow">
+            <a:avLst/>
+          </a:prstGeom>
+          <a:solidFill>
+            <a:srgbClr val="FF0000"/>
+          </a:solidFill>
+          <a:ln>
+            <a:solidFill>
+              <a:srgbClr val="FF0000"/>
+            </a:solidFill>
+          </a:ln>
+        </p:spPr>
+        <p:style>
+          <a:lnRef idx="2">
+            <a:schemeClr val="accent1">
+              <a:shade val="50000"/>
+            </a:schemeClr>
+          </a:lnRef>
+          <a:fillRef idx="1">
+            <a:schemeClr val="accent1"/>
+          </a:fillRef>
+          <a:effectRef idx="0">
+            <a:schemeClr val="accent1"/>
+          </a:effectRef>
+          <a:fontRef idx="minor">
+            <a:schemeClr val="lt1"/>
+          </a:fontRef>
+        </p:style>
+        <p:txBody>
+          <a:bodyPr rtlCol="0" anchor="ctr"/>
+          <a:lstStyle/>
+          <a:p>
+            <a:pPr algn="ctr"/>
+            <a:endParaRPr lang="pt-BR"/>
+          </a:p>
+        </p:txBody>
+      </p:sp>
+      <p:sp>
+        <p:nvSpPr>
+          <p:cNvPr id="11" name="Seta para a esquerda e para a direita 10"/>
+          <p:cNvSpPr/>
+          <p:nvPr/>
+        </p:nvSpPr>
+        <p:spPr>
+          <a:xfrm>
+            <a:off x="3187697" y="4086053"/>
+            <a:ext cx="410029" cy="178822"/>
+          </a:xfrm>
+          <a:prstGeom prst="leftRightArrow">
+            <a:avLst/>
+          </a:prstGeom>
+          <a:solidFill>
+            <a:srgbClr val="FF0000"/>
+          </a:solidFill>
+          <a:ln>
+            <a:solidFill>
+              <a:srgbClr val="FF0000"/>
+            </a:solidFill>
+          </a:ln>
+        </p:spPr>
+        <p:style>
+          <a:lnRef idx="2">
+            <a:schemeClr val="accent1">
+              <a:shade val="50000"/>
+            </a:schemeClr>
+          </a:lnRef>
+          <a:fillRef idx="1">
+            <a:schemeClr val="accent1"/>
+          </a:fillRef>
+          <a:effectRef idx="0">
+            <a:schemeClr val="accent1"/>
+          </a:effectRef>
+          <a:fontRef idx="minor">
+            <a:schemeClr val="lt1"/>
+          </a:fontRef>
+        </p:style>
+        <p:txBody>
+          <a:bodyPr rtlCol="0" anchor="ctr"/>
+          <a:lstStyle/>
+          <a:p>
+            <a:pPr algn="ctr"/>
+            <a:endParaRPr lang="pt-BR"/>
+          </a:p>
+        </p:txBody>
+      </p:sp>
+      <p:sp>
+        <p:nvSpPr>
+          <p:cNvPr id="13" name="Seta para cima e para baixo 12"/>
+          <p:cNvSpPr/>
+          <p:nvPr/>
+        </p:nvSpPr>
+        <p:spPr>
+          <a:xfrm>
+            <a:off x="4521197" y="3349171"/>
+            <a:ext cx="203200" cy="319315"/>
+          </a:xfrm>
+          <a:prstGeom prst="upDownArrow">
+            <a:avLst/>
+          </a:prstGeom>
+          <a:solidFill>
+            <a:srgbClr val="FF0000"/>
+          </a:solidFill>
+          <a:ln>
+            <a:solidFill>
+              <a:srgbClr val="FF0000"/>
+            </a:solidFill>
+          </a:ln>
+        </p:spPr>
+        <p:style>
+          <a:lnRef idx="2">
+            <a:schemeClr val="accent1">
+              <a:shade val="50000"/>
+            </a:schemeClr>
+          </a:lnRef>
+          <a:fillRef idx="1">
+            <a:schemeClr val="accent1"/>
+          </a:fillRef>
+          <a:effectRef idx="0">
+            <a:schemeClr val="accent1"/>
+          </a:effectRef>
+          <a:fontRef idx="minor">
+            <a:schemeClr val="lt1"/>
+          </a:fontRef>
+        </p:style>
+        <p:txBody>
+          <a:bodyPr rtlCol="0" anchor="ctr"/>
+          <a:lstStyle/>
+          <a:p>
+            <a:pPr algn="ctr"/>
+            <a:endParaRPr lang="pt-BR"/>
+          </a:p>
+        </p:txBody>
+      </p:sp>
+      <p:sp>
+        <p:nvSpPr>
+          <p:cNvPr id="14" name="Seta para cima e para baixo 13"/>
+          <p:cNvSpPr/>
+          <p:nvPr/>
+        </p:nvSpPr>
+        <p:spPr>
+          <a:xfrm>
+            <a:off x="4508494" y="4736873"/>
+            <a:ext cx="203200" cy="319315"/>
+          </a:xfrm>
+          <a:prstGeom prst="upDownArrow">
+            <a:avLst/>
+          </a:prstGeom>
+          <a:solidFill>
+            <a:srgbClr val="FF0000"/>
+          </a:solidFill>
+          <a:ln>
+            <a:solidFill>
+              <a:srgbClr val="FF0000"/>
+            </a:solidFill>
+          </a:ln>
+        </p:spPr>
+        <p:style>
+          <a:lnRef idx="2">
+            <a:schemeClr val="accent1">
+              <a:shade val="50000"/>
+            </a:schemeClr>
+          </a:lnRef>
+          <a:fillRef idx="1">
+            <a:schemeClr val="accent1"/>
+          </a:fillRef>
+          <a:effectRef idx="0">
+            <a:schemeClr val="accent1"/>
+          </a:effectRef>
+          <a:fontRef idx="minor">
+            <a:schemeClr val="lt1"/>
+          </a:fontRef>
+        </p:style>
+        <p:txBody>
+          <a:bodyPr rtlCol="0" anchor="ctr"/>
+          <a:lstStyle/>
+          <a:p>
+            <a:pPr algn="ctr"/>
+            <a:endParaRPr lang="pt-BR"/>
+          </a:p>
+        </p:txBody>
+      </p:sp>
+      <p:sp>
+        <p:nvSpPr>
+          <p:cNvPr id="15" name="Retângulo 14"/>
+          <p:cNvSpPr/>
+          <p:nvPr/>
+        </p:nvSpPr>
+        <p:spPr>
+          <a:xfrm>
+            <a:off x="9450622" y="2609139"/>
+            <a:ext cx="2204349" cy="1576841"/>
+          </a:xfrm>
+          <a:prstGeom prst="rect">
+            <a:avLst/>
+          </a:prstGeom>
+        </p:spPr>
+        <p:style>
+          <a:lnRef idx="2">
+            <a:schemeClr val="accent1">
+              <a:shade val="50000"/>
+            </a:schemeClr>
+          </a:lnRef>
+          <a:fillRef idx="1">
+            <a:schemeClr val="accent1"/>
+          </a:fillRef>
+          <a:effectRef idx="0">
+            <a:schemeClr val="accent1"/>
+          </a:effectRef>
+          <a:fontRef idx="minor">
+            <a:schemeClr val="lt1"/>
+          </a:fontRef>
+        </p:style>
+        <p:txBody>
+          <a:bodyPr rtlCol="0" anchor="ctr"/>
+          <a:lstStyle/>
+          <a:p>
+            <a:pPr algn="ctr"/>
+            <a:r>
+              <a:rPr lang="pt-BR" sz="2400" b="1" dirty="0" smtClean="0"/>
+              <a:t>Comunicação Serial com outros dispositivos</a:t>
+            </a:r>
+            <a:endParaRPr lang="pt-BR" sz="2400" b="1" dirty="0"/>
+          </a:p>
+        </p:txBody>
+      </p:sp>
+      <p:sp>
+        <p:nvSpPr>
+          <p:cNvPr id="16" name="Seta para a esquerda e para a direita 15"/>
+          <p:cNvSpPr/>
+          <p:nvPr/>
+        </p:nvSpPr>
+        <p:spPr>
+          <a:xfrm>
+            <a:off x="5647868" y="5472310"/>
+            <a:ext cx="3936998" cy="249236"/>
+          </a:xfrm>
+          <a:prstGeom prst="leftRightArrow">
+            <a:avLst/>
+          </a:prstGeom>
+          <a:solidFill>
+            <a:srgbClr val="FF0000"/>
+          </a:solidFill>
+          <a:ln>
+            <a:solidFill>
+              <a:srgbClr val="FF0000"/>
+            </a:solidFill>
+          </a:ln>
+        </p:spPr>
+        <p:style>
+          <a:lnRef idx="2">
+            <a:schemeClr val="accent1">
+              <a:shade val="50000"/>
+            </a:schemeClr>
+          </a:lnRef>
+          <a:fillRef idx="1">
+            <a:schemeClr val="accent1"/>
+          </a:fillRef>
+          <a:effectRef idx="0">
+            <a:schemeClr val="accent1"/>
+          </a:effectRef>
+          <a:fontRef idx="minor">
+            <a:schemeClr val="lt1"/>
+          </a:fontRef>
+        </p:style>
+        <p:txBody>
+          <a:bodyPr rtlCol="0" anchor="ctr"/>
+          <a:lstStyle/>
+          <a:p>
+            <a:pPr algn="ctr"/>
+            <a:endParaRPr lang="pt-BR"/>
+          </a:p>
+        </p:txBody>
+      </p:sp>
+      <p:sp>
+        <p:nvSpPr>
+          <p:cNvPr id="18" name="Seta para cima e para baixo 17"/>
+          <p:cNvSpPr/>
+          <p:nvPr/>
+        </p:nvSpPr>
+        <p:spPr>
+          <a:xfrm>
+            <a:off x="10408108" y="4294297"/>
+            <a:ext cx="289376" cy="719140"/>
+          </a:xfrm>
+          <a:prstGeom prst="upDownArrow">
+            <a:avLst/>
+          </a:prstGeom>
+          <a:solidFill>
+            <a:srgbClr val="FF0000"/>
+          </a:solidFill>
+          <a:ln>
+            <a:solidFill>
+              <a:srgbClr val="FF0000"/>
+            </a:solidFill>
+          </a:ln>
+        </p:spPr>
+        <p:style>
+          <a:lnRef idx="2">
+            <a:schemeClr val="accent1">
+              <a:shade val="50000"/>
+            </a:schemeClr>
+          </a:lnRef>
+          <a:fillRef idx="1">
+            <a:schemeClr val="accent1"/>
+          </a:fillRef>
+          <a:effectRef idx="0">
+            <a:schemeClr val="accent1"/>
+          </a:effectRef>
+          <a:fontRef idx="minor">
+            <a:schemeClr val="lt1"/>
+          </a:fontRef>
+        </p:style>
+        <p:txBody>
+          <a:bodyPr rtlCol="0" anchor="ctr"/>
+          <a:lstStyle/>
+          <a:p>
+            <a:pPr algn="ctr"/>
+            <a:endParaRPr lang="pt-BR"/>
+          </a:p>
+        </p:txBody>
+      </p:sp>
+      <p:sp>
+        <p:nvSpPr>
+          <p:cNvPr id="19" name="CaixaDeTexto 18"/>
+          <p:cNvSpPr txBox="1"/>
+          <p:nvPr/>
+        </p:nvSpPr>
+        <p:spPr>
+          <a:xfrm>
+            <a:off x="961566" y="5967524"/>
+            <a:ext cx="2099998" cy="400110"/>
+          </a:xfrm>
+          <a:prstGeom prst="rect">
+            <a:avLst/>
+          </a:prstGeom>
+          <a:noFill/>
+        </p:spPr>
+        <p:txBody>
+          <a:bodyPr wrap="none" rtlCol="0">
+            <a:spAutoFit/>
+          </a:bodyPr>
+          <a:lstStyle/>
+          <a:p>
+            <a:r>
+              <a:rPr lang="pt-BR" sz="2000" dirty="0" smtClean="0"/>
+              <a:t>Ambiente Veicular</a:t>
+            </a:r>
+            <a:endParaRPr lang="pt-BR" sz="2000" dirty="0"/>
+          </a:p>
+        </p:txBody>
+      </p:sp>
+    </p:spTree>
+    <p:extLst>
+      <p:ext uri="{BB962C8B-B14F-4D97-AF65-F5344CB8AC3E}">
+        <p14:creationId xmlns:p14="http://schemas.microsoft.com/office/powerpoint/2010/main" val="2205362503"/>
+      </p:ext>
+    </p:extLst>
+  </p:cSld>
+  <p:clrMapOvr>
+    <a:masterClrMapping/>
+  </p:clrMapOvr>
+</p:sld>
+</file>
+
+<file path=ppt/slides/slide15.xml><?xml version="1.0" encoding="utf-8"?>
+<p:sld xmlns:a="http://schemas.openxmlformats.org/drawingml/2006/main" xmlns:r="http://schemas.openxmlformats.org/officeDocument/2006/relationships" xmlns:p="http://schemas.openxmlformats.org/presentationml/2006/main">
+  <p:cSld>
+    <p:spTree>
+      <p:nvGrpSpPr>
+        <p:cNvPr id="1" name=""/>
+        <p:cNvGrpSpPr/>
+        <p:nvPr/>
+      </p:nvGrpSpPr>
+      <p:grpSpPr>
+        <a:xfrm>
+          <a:off x="0" y="0"/>
+          <a:ext cx="0" cy="0"/>
+          <a:chOff x="0" y="0"/>
+          <a:chExt cx="0" cy="0"/>
+        </a:xfrm>
+      </p:grpSpPr>
+      <p:sp>
+        <p:nvSpPr>
+          <p:cNvPr id="2" name="Título 1"/>
+          <p:cNvSpPr>
+            <a:spLocks noGrp="1"/>
+          </p:cNvSpPr>
+          <p:nvPr>
+            <p:ph type="title"/>
+          </p:nvPr>
+        </p:nvSpPr>
+        <p:spPr/>
+        <p:txBody>
+          <a:bodyPr/>
+          <a:lstStyle/>
+          <a:p>
+            <a:r>
+              <a:rPr lang="pt-BR" dirty="0" smtClean="0"/>
+              <a:t>Metodologia</a:t>
+            </a:r>
+            <a:endParaRPr lang="pt-BR" dirty="0"/>
+          </a:p>
+        </p:txBody>
+      </p:sp>
+      <p:sp>
+        <p:nvSpPr>
+          <p:cNvPr id="3" name="Espaço Reservado para Conteúdo 2"/>
+          <p:cNvSpPr>
+            <a:spLocks noGrp="1"/>
+          </p:cNvSpPr>
+          <p:nvPr>
+            <p:ph idx="1"/>
+          </p:nvPr>
+        </p:nvSpPr>
+        <p:spPr/>
+        <p:txBody>
+          <a:bodyPr>
+            <a:normAutofit/>
+          </a:bodyPr>
+          <a:lstStyle/>
+          <a:p>
+            <a:r>
+              <a:rPr lang="pt-BR" sz="3600" dirty="0" smtClean="0"/>
+              <a:t>Etapas realizadas:</a:t>
+            </a:r>
+          </a:p>
+          <a:p>
+            <a:pPr lvl="1"/>
+            <a:r>
+              <a:rPr lang="pt-BR" sz="3200" dirty="0" smtClean="0"/>
+              <a:t>Implementação do software Desktop para leitura de alguns sensores do automóvel</a:t>
+            </a:r>
+          </a:p>
+          <a:p>
+            <a:pPr lvl="2"/>
+            <a:r>
+              <a:rPr lang="pt-BR" sz="2800" dirty="0" smtClean="0"/>
+              <a:t>Linguagem JAVA</a:t>
+            </a:r>
+          </a:p>
+          <a:p>
+            <a:pPr lvl="2"/>
+            <a:r>
+              <a:rPr lang="pt-BR" sz="2800" dirty="0" smtClean="0"/>
+              <a:t>Biblioteca </a:t>
+            </a:r>
+            <a:r>
+              <a:rPr lang="pt-BR" sz="2800" dirty="0" err="1" smtClean="0"/>
+              <a:t>Bluecove</a:t>
+            </a:r>
+            <a:endParaRPr lang="pt-BR" sz="2800" dirty="0" smtClean="0"/>
+          </a:p>
+          <a:p>
+            <a:pPr lvl="2"/>
+            <a:r>
+              <a:rPr lang="pt-BR" sz="2800" dirty="0" smtClean="0"/>
+              <a:t>API </a:t>
+            </a:r>
+            <a:r>
+              <a:rPr lang="pt-BR" sz="2800" dirty="0" err="1" smtClean="0"/>
+              <a:t>obd-java-api</a:t>
+            </a:r>
+            <a:r>
+              <a:rPr lang="pt-BR" sz="2800" dirty="0" smtClean="0"/>
+              <a:t> (disponível no </a:t>
+            </a:r>
+            <a:r>
+              <a:rPr lang="pt-BR" sz="2800" dirty="0" err="1" smtClean="0"/>
+              <a:t>github</a:t>
+            </a:r>
+            <a:r>
+              <a:rPr lang="pt-BR" sz="2800" dirty="0" smtClean="0"/>
+              <a:t> de Paulo Pires)</a:t>
+            </a:r>
+            <a:endParaRPr lang="pt-BR" sz="2800" dirty="0" smtClean="0"/>
+          </a:p>
+          <a:p>
+            <a:pPr lvl="2"/>
+            <a:r>
+              <a:rPr lang="pt-BR" sz="2800" dirty="0" smtClean="0"/>
+              <a:t>Framework </a:t>
+            </a:r>
+            <a:r>
+              <a:rPr lang="pt-BR" sz="2800" dirty="0" err="1" smtClean="0"/>
+              <a:t>JavaFx</a:t>
+            </a:r>
+            <a:endParaRPr lang="pt-BR" sz="2800" dirty="0" smtClean="0"/>
+          </a:p>
+          <a:p>
+            <a:pPr lvl="2"/>
+            <a:r>
+              <a:rPr lang="pt-BR" sz="2800" dirty="0" smtClean="0"/>
+              <a:t>ELM327 Bluetooth</a:t>
+            </a:r>
+            <a:endParaRPr lang="pt-BR" sz="2800" dirty="0"/>
+          </a:p>
+        </p:txBody>
+      </p:sp>
+    </p:spTree>
+    <p:extLst>
+      <p:ext uri="{BB962C8B-B14F-4D97-AF65-F5344CB8AC3E}">
+        <p14:creationId xmlns:p14="http://schemas.microsoft.com/office/powerpoint/2010/main" val="3820180572"/>
+      </p:ext>
+    </p:extLst>
+  </p:cSld>
+  <p:clrMapOvr>
+    <a:masterClrMapping/>
+  </p:clrMapOvr>
+</p:sld>
+</file>
+
+<file path=ppt/slides/slide16.xml><?xml version="1.0" encoding="utf-8"?>
+<p:sld xmlns:a="http://schemas.openxmlformats.org/drawingml/2006/main" xmlns:r="http://schemas.openxmlformats.org/officeDocument/2006/relationships" xmlns:p="http://schemas.openxmlformats.org/presentationml/2006/main">
+  <p:cSld>
+    <p:spTree>
+      <p:nvGrpSpPr>
+        <p:cNvPr id="1" name=""/>
+        <p:cNvGrpSpPr/>
+        <p:nvPr/>
+      </p:nvGrpSpPr>
+      <p:grpSpPr>
+        <a:xfrm>
+          <a:off x="0" y="0"/>
+          <a:ext cx="0" cy="0"/>
+          <a:chOff x="0" y="0"/>
+          <a:chExt cx="0" cy="0"/>
+        </a:xfrm>
+      </p:grpSpPr>
+      <p:sp>
+        <p:nvSpPr>
+          <p:cNvPr id="2" name="Título 1"/>
+          <p:cNvSpPr>
+            <a:spLocks noGrp="1"/>
+          </p:cNvSpPr>
+          <p:nvPr>
+            <p:ph type="title"/>
+          </p:nvPr>
+        </p:nvSpPr>
+        <p:spPr/>
+        <p:txBody>
+          <a:bodyPr/>
+          <a:lstStyle/>
+          <a:p>
+            <a:r>
+              <a:rPr lang="pt-BR" dirty="0" smtClean="0"/>
+              <a:t>Metodologia</a:t>
+            </a:r>
+            <a:endParaRPr lang="pt-BR" dirty="0"/>
+          </a:p>
+        </p:txBody>
+      </p:sp>
+      <p:sp>
+        <p:nvSpPr>
+          <p:cNvPr id="3" name="Espaço Reservado para Conteúdo 2"/>
+          <p:cNvSpPr>
+            <a:spLocks noGrp="1"/>
+          </p:cNvSpPr>
+          <p:nvPr>
+            <p:ph idx="1"/>
+          </p:nvPr>
+        </p:nvSpPr>
+        <p:spPr/>
+        <p:txBody>
+          <a:bodyPr/>
+          <a:lstStyle/>
+          <a:p>
+            <a:r>
+              <a:rPr lang="pt-BR" dirty="0" smtClean="0"/>
+              <a:t>Linguagem JAVA -&gt; Python</a:t>
+            </a:r>
+          </a:p>
+          <a:p>
+            <a:r>
+              <a:rPr lang="pt-BR" dirty="0" smtClean="0"/>
+              <a:t>Biblioteca </a:t>
+            </a:r>
+            <a:r>
+              <a:rPr lang="pt-BR" dirty="0" err="1" smtClean="0"/>
+              <a:t>java</a:t>
+            </a:r>
+            <a:r>
+              <a:rPr lang="pt-BR" dirty="0" smtClean="0"/>
+              <a:t> </a:t>
+            </a:r>
+            <a:r>
+              <a:rPr lang="pt-BR" dirty="0" err="1" smtClean="0"/>
+              <a:t>Bluecove</a:t>
+            </a:r>
+            <a:endParaRPr lang="pt-BR" dirty="0" smtClean="0"/>
+          </a:p>
+          <a:p>
+            <a:r>
+              <a:rPr lang="pt-BR" dirty="0" smtClean="0"/>
+              <a:t>Framework </a:t>
+            </a:r>
+            <a:r>
+              <a:rPr lang="pt-BR" dirty="0" err="1" smtClean="0"/>
+              <a:t>JavaFx</a:t>
+            </a:r>
+            <a:endParaRPr lang="pt-BR" dirty="0" smtClean="0"/>
+          </a:p>
+          <a:p>
+            <a:r>
+              <a:rPr lang="pt-BR" dirty="0" err="1" smtClean="0"/>
+              <a:t>Raspberry</a:t>
+            </a:r>
+            <a:r>
+              <a:rPr lang="pt-BR" dirty="0" smtClean="0"/>
+              <a:t> PI3</a:t>
+            </a:r>
+          </a:p>
+          <a:p>
+            <a:r>
+              <a:rPr lang="pt-BR" dirty="0" smtClean="0"/>
+              <a:t>ELM327</a:t>
+            </a:r>
+          </a:p>
+          <a:p>
+            <a:r>
+              <a:rPr lang="pt-BR" dirty="0" err="1" smtClean="0"/>
+              <a:t>Bliblioteca</a:t>
+            </a:r>
+            <a:r>
+              <a:rPr lang="pt-BR" dirty="0"/>
+              <a:t> </a:t>
+            </a:r>
+            <a:r>
+              <a:rPr lang="pt-BR" dirty="0" smtClean="0"/>
+              <a:t>OBDII Java – (</a:t>
+            </a:r>
+            <a:r>
+              <a:rPr lang="pt-BR" dirty="0" err="1" smtClean="0"/>
+              <a:t>Github</a:t>
+            </a:r>
+            <a:r>
+              <a:rPr lang="pt-BR" dirty="0" smtClean="0"/>
+              <a:t> pires)</a:t>
+            </a:r>
+          </a:p>
+          <a:p>
+            <a:r>
+              <a:rPr lang="pt-BR" dirty="0" smtClean="0"/>
+              <a:t>Armazenamento em nuvem (</a:t>
+            </a:r>
+            <a:r>
+              <a:rPr lang="pt-BR" dirty="0" err="1" smtClean="0"/>
+              <a:t>Amazon</a:t>
+            </a:r>
+            <a:r>
+              <a:rPr lang="pt-BR" dirty="0" smtClean="0"/>
+              <a:t> </a:t>
+            </a:r>
+            <a:r>
+              <a:rPr lang="pt-BR" dirty="0" smtClean="0"/>
+              <a:t>Web </a:t>
+            </a:r>
+            <a:r>
+              <a:rPr lang="pt-BR" dirty="0" smtClean="0"/>
+              <a:t>Service)</a:t>
+            </a:r>
+            <a:endParaRPr lang="pt-BR" dirty="0"/>
+          </a:p>
+        </p:txBody>
+      </p:sp>
+    </p:spTree>
+    <p:extLst>
+      <p:ext uri="{BB962C8B-B14F-4D97-AF65-F5344CB8AC3E}">
+        <p14:creationId xmlns:p14="http://schemas.microsoft.com/office/powerpoint/2010/main" val="4225410449"/>
+      </p:ext>
+    </p:extLst>
+  </p:cSld>
+  <p:clrMapOvr>
+    <a:masterClrMapping/>
+  </p:clrMapOvr>
+</p:sld>
+</file>
+
+<file path=ppt/slides/slide17.xml><?xml version="1.0" encoding="utf-8"?>
+<p:sld xmlns:a="http://schemas.openxmlformats.org/drawingml/2006/main" xmlns:r="http://schemas.openxmlformats.org/officeDocument/2006/relationships" xmlns:p="http://schemas.openxmlformats.org/presentationml/2006/main">
+  <p:cSld>
+    <p:spTree>
+      <p:nvGrpSpPr>
+        <p:cNvPr id="1" name=""/>
+        <p:cNvGrpSpPr/>
+        <p:nvPr/>
+      </p:nvGrpSpPr>
+      <p:grpSpPr>
+        <a:xfrm>
+          <a:off x="0" y="0"/>
+          <a:ext cx="0" cy="0"/>
+          <a:chOff x="0" y="0"/>
+          <a:chExt cx="0" cy="0"/>
+        </a:xfrm>
+      </p:grpSpPr>
+      <p:sp>
+        <p:nvSpPr>
+          <p:cNvPr id="2" name="Título 1"/>
+          <p:cNvSpPr>
+            <a:spLocks noGrp="1"/>
+          </p:cNvSpPr>
+          <p:nvPr>
+            <p:ph type="title"/>
+          </p:nvPr>
+        </p:nvSpPr>
+        <p:spPr/>
+        <p:txBody>
+          <a:bodyPr/>
+          <a:lstStyle/>
+          <a:p>
+            <a:r>
+              <a:rPr lang="pt-BR" dirty="0" smtClean="0"/>
+              <a:t>Cronograma</a:t>
+            </a:r>
+            <a:endParaRPr lang="pt-BR" dirty="0"/>
+          </a:p>
+        </p:txBody>
+      </p:sp>
+      <p:sp>
+        <p:nvSpPr>
+          <p:cNvPr id="3" name="Espaço Reservado para Conteúdo 2"/>
+          <p:cNvSpPr>
+            <a:spLocks noGrp="1"/>
+          </p:cNvSpPr>
+          <p:nvPr>
+            <p:ph idx="1"/>
+          </p:nvPr>
+        </p:nvSpPr>
+        <p:spPr/>
+        <p:txBody>
+          <a:bodyPr/>
+          <a:lstStyle/>
+          <a:p>
+            <a:endParaRPr lang="pt-BR"/>
+          </a:p>
+        </p:txBody>
+      </p:sp>
+    </p:spTree>
+    <p:extLst>
+      <p:ext uri="{BB962C8B-B14F-4D97-AF65-F5344CB8AC3E}">
+        <p14:creationId xmlns:p14="http://schemas.microsoft.com/office/powerpoint/2010/main" val="4240335335"/>
+      </p:ext>
+    </p:extLst>
+  </p:cSld>
+  <p:clrMapOvr>
+    <a:masterClrMapping/>
+  </p:clrMapOvr>
+</p:sld>
+</file>
+
+<file path=ppt/slides/slide18.xml><?xml version="1.0" encoding="utf-8"?>
+<p:sld xmlns:a="http://schemas.openxmlformats.org/drawingml/2006/main" xmlns:r="http://schemas.openxmlformats.org/officeDocument/2006/relationships" xmlns:p="http://schemas.openxmlformats.org/presentationml/2006/main">
+  <p:cSld>
+    <p:spTree>
+      <p:nvGrpSpPr>
+        <p:cNvPr id="1" name=""/>
+        <p:cNvGrpSpPr/>
+        <p:nvPr/>
+      </p:nvGrpSpPr>
+      <p:grpSpPr>
+        <a:xfrm>
+          <a:off x="0" y="0"/>
+          <a:ext cx="0" cy="0"/>
+          <a:chOff x="0" y="0"/>
+          <a:chExt cx="0" cy="0"/>
+        </a:xfrm>
+      </p:grpSpPr>
+      <p:sp>
+        <p:nvSpPr>
+          <p:cNvPr id="2" name="Título 1"/>
+          <p:cNvSpPr>
+            <a:spLocks noGrp="1"/>
+          </p:cNvSpPr>
+          <p:nvPr>
+            <p:ph type="title"/>
+          </p:nvPr>
+        </p:nvSpPr>
+        <p:spPr/>
+        <p:txBody>
           <a:bodyPr/>
           <a:lstStyle/>
           <a:p>
@@ -3851,7 +5518,7 @@
 </p:sld>
 </file>
 
-<file path=ppt/slides/slide12.xml><?xml version="1.0" encoding="utf-8"?>
+<file path=ppt/slides/slide19.xml><?xml version="1.0" encoding="utf-8"?>
 <p:sld xmlns:a="http://schemas.openxmlformats.org/drawingml/2006/main" xmlns:r="http://schemas.openxmlformats.org/officeDocument/2006/relationships" xmlns:p="http://schemas.openxmlformats.org/presentationml/2006/main">
   <p:cSld>
     <p:spTree>
@@ -4011,6 +5678,13 @@
   <p:clrMapOvr>
     <a:masterClrMapping/>
   </p:clrMapOvr>
+  <p:timing>
+    <p:tnLst>
+      <p:par>
+        <p:cTn id="1" dur="indefinite" restart="never" nodeType="tmRoot"/>
+      </p:par>
+    </p:tnLst>
+  </p:timing>
 </p:sld>
 </file>
 
@@ -4125,6 +5799,13 @@
   <p:clrMapOvr>
     <a:masterClrMapping/>
   </p:clrMapOvr>
+  <p:timing>
+    <p:tnLst>
+      <p:par>
+        <p:cTn id="1" dur="indefinite" restart="never" nodeType="tmRoot"/>
+      </p:par>
+    </p:tnLst>
+  </p:timing>
 </p:sld>
 </file>
 
@@ -4232,6 +5913,13 @@
   <p:clrMapOvr>
     <a:masterClrMapping/>
   </p:clrMapOvr>
+  <p:timing>
+    <p:tnLst>
+      <p:par>
+        <p:cTn id="1" dur="indefinite" restart="never" nodeType="tmRoot"/>
+      </p:par>
+    </p:tnLst>
+  </p:timing>
 </p:sld>
 </file>
 
@@ -4337,6 +6025,13 @@
   <p:clrMapOvr>
     <a:masterClrMapping/>
   </p:clrMapOvr>
+  <p:timing>
+    <p:tnLst>
+      <p:par>
+        <p:cTn id="1" dur="indefinite" restart="never" nodeType="tmRoot"/>
+      </p:par>
+    </p:tnLst>
+  </p:timing>
 </p:sld>
 </file>
 
@@ -4407,55 +6102,45 @@
           <a:p>
             <a:r>
               <a:rPr lang="pt-BR" sz="3600" dirty="0" smtClean="0"/>
-              <a:t>OBDII</a:t>
-            </a:r>
+              <a:t>Conector OBDII</a:t>
+            </a:r>
+          </a:p>
+          <a:p>
+            <a:r>
+              <a:rPr lang="pt-BR" sz="3600" dirty="0" smtClean="0"/>
+              <a:t>Protocolos </a:t>
+            </a:r>
+            <a:r>
+              <a:rPr lang="pt-BR" sz="3600" dirty="0"/>
+              <a:t>da rede veicular interna(CAN</a:t>
+            </a:r>
+            <a:r>
+              <a:rPr lang="pt-BR" sz="3600" dirty="0" smtClean="0"/>
+              <a:t>)</a:t>
+            </a:r>
+            <a:endParaRPr lang="pt-BR" sz="3600" dirty="0" smtClean="0"/>
           </a:p>
           <a:p>
             <a:r>
               <a:rPr lang="pt-BR" sz="3600" dirty="0" smtClean="0"/>
               <a:t>ELM327</a:t>
             </a:r>
+            <a:endParaRPr lang="pt-BR" sz="3600" dirty="0" smtClean="0"/>
           </a:p>
           <a:p>
             <a:r>
               <a:rPr lang="pt-BR" sz="3600" dirty="0" smtClean="0"/>
-              <a:t>Protocolo CAN</a:t>
-            </a:r>
-          </a:p>
-          <a:p>
+              <a:t>Parâmetros de requisição (</a:t>
+            </a:r>
+            <a:r>
+              <a:rPr lang="pt-BR" sz="3600" dirty="0" err="1" smtClean="0"/>
+              <a:t>Mode</a:t>
+            </a:r>
             <a:r>
               <a:rPr lang="pt-BR" sz="3600" dirty="0" smtClean="0"/>
-              <a:t>PID</a:t>
-            </a:r>
-          </a:p>
-          <a:p>
-            <a:r>
-              <a:rPr lang="pt-BR" sz="3600" dirty="0" err="1" smtClean="0"/>
-              <a:t>Raspberry</a:t>
-            </a:r>
-            <a:r>
-              <a:rPr lang="pt-BR" sz="3600" dirty="0" smtClean="0"/>
-              <a:t> </a:t>
-            </a:r>
-            <a:r>
-              <a:rPr lang="pt-BR" sz="3600" dirty="0" err="1" smtClean="0"/>
-              <a:t>Pi</a:t>
+              <a:t>/PID)</a:t>
             </a:r>
             <a:endParaRPr lang="pt-BR" sz="3600" dirty="0" smtClean="0"/>
-          </a:p>
-          <a:p>
-            <a:r>
-              <a:rPr lang="pt-BR" sz="3600" dirty="0" smtClean="0"/>
-              <a:t>Armazenamento em Nuvem (web </a:t>
-            </a:r>
-            <a:r>
-              <a:rPr lang="pt-BR" sz="3600" dirty="0" err="1" smtClean="0"/>
-              <a:t>services</a:t>
-            </a:r>
-            <a:r>
-              <a:rPr lang="pt-BR" sz="3600" dirty="0" smtClean="0"/>
-              <a:t>)</a:t>
-            </a:r>
           </a:p>
         </p:txBody>
       </p:sp>
@@ -4469,6 +6154,13 @@
   <p:clrMapOvr>
     <a:masterClrMapping/>
   </p:clrMapOvr>
+  <p:timing>
+    <p:tnLst>
+      <p:par>
+        <p:cTn id="1" dur="indefinite" restart="never" nodeType="tmRoot"/>
+      </p:par>
+    </p:tnLst>
+  </p:timing>
 </p:sld>
 </file>
 
@@ -4540,8 +6232,13 @@
             <a:pPr lvl="1"/>
             <a:r>
               <a:rPr lang="pt-BR" sz="3200" dirty="0" smtClean="0"/>
-              <a:t>Unidade de Controle Eletrônico</a:t>
-            </a:r>
+              <a:t>Unidade de Controle </a:t>
+            </a:r>
+            <a:r>
+              <a:rPr lang="pt-BR" sz="3200" dirty="0" smtClean="0"/>
+              <a:t>Eletrônico</a:t>
+            </a:r>
+            <a:endParaRPr lang="pt-BR" sz="3200" dirty="0" smtClean="0"/>
           </a:p>
           <a:p>
             <a:pPr lvl="1"/>
@@ -4554,11 +6251,7 @@
             <a:pPr lvl="1"/>
             <a:r>
               <a:rPr lang="pt-BR" sz="3200" dirty="0" smtClean="0"/>
-              <a:t>Processa os dados recebidos dos sensores e </a:t>
-            </a:r>
-            <a:r>
-              <a:rPr lang="pt-BR" sz="3200" dirty="0" smtClean="0"/>
-              <a:t>gera saída nos atuadores</a:t>
+              <a:t>Processa os dados recebidos dos sensores e gera saída nos atuadores</a:t>
             </a:r>
           </a:p>
           <a:p>
@@ -4580,6 +6273,13 @@
   <p:clrMapOvr>
     <a:masterClrMapping/>
   </p:clrMapOvr>
+  <p:timing>
+    <p:tnLst>
+      <p:par>
+        <p:cTn id="1" dur="indefinite" restart="never" nodeType="tmRoot"/>
+      </p:par>
+    </p:tnLst>
+  </p:timing>
 </p:sld>
 </file>
 
@@ -4644,25 +6344,445 @@
           <a:p>
             <a:r>
               <a:rPr lang="pt-BR" sz="3600" dirty="0" smtClean="0"/>
-              <a:t>OBDII</a:t>
-            </a:r>
-          </a:p>
-          <a:p>
-            <a:pPr lvl="1"/>
-            <a:endParaRPr lang="pt-BR" sz="3200" dirty="0" smtClean="0"/>
+              <a:t>Protocolos da rede veicular interna</a:t>
+            </a:r>
+            <a:endParaRPr lang="pt-BR" sz="3600" dirty="0" smtClean="0"/>
+          </a:p>
+        </p:txBody>
+      </p:sp>
+      <p:sp>
+        <p:nvSpPr>
+          <p:cNvPr id="4" name="Retângulo 3"/>
+          <p:cNvSpPr/>
+          <p:nvPr/>
+        </p:nvSpPr>
+        <p:spPr>
+          <a:xfrm>
+            <a:off x="2846613" y="4358031"/>
+            <a:ext cx="6166757" cy="1146629"/>
+          </a:xfrm>
+          <a:prstGeom prst="rect">
+            <a:avLst/>
+          </a:prstGeom>
+        </p:spPr>
+        <p:style>
+          <a:lnRef idx="2">
+            <a:schemeClr val="accent1">
+              <a:shade val="50000"/>
+            </a:schemeClr>
+          </a:lnRef>
+          <a:fillRef idx="1">
+            <a:schemeClr val="accent1"/>
+          </a:fillRef>
+          <a:effectRef idx="0">
+            <a:schemeClr val="accent1"/>
+          </a:effectRef>
+          <a:fontRef idx="minor">
+            <a:schemeClr val="lt1"/>
+          </a:fontRef>
+        </p:style>
+        <p:txBody>
+          <a:bodyPr rtlCol="0" anchor="ctr"/>
+          <a:lstStyle/>
+          <a:p>
+            <a:pPr algn="ctr"/>
+            <a:r>
+              <a:rPr lang="pt-BR" sz="5400" b="1" dirty="0" smtClean="0"/>
+              <a:t>Protocolo CAN</a:t>
+            </a:r>
+            <a:endParaRPr lang="pt-BR" sz="5400" b="1" dirty="0"/>
+          </a:p>
+        </p:txBody>
+      </p:sp>
+      <p:sp>
+        <p:nvSpPr>
+          <p:cNvPr id="5" name="Retângulo 4"/>
+          <p:cNvSpPr/>
+          <p:nvPr/>
+        </p:nvSpPr>
+        <p:spPr>
+          <a:xfrm>
+            <a:off x="2846614" y="2854667"/>
+            <a:ext cx="1175658" cy="1146629"/>
+          </a:xfrm>
+          <a:prstGeom prst="rect">
+            <a:avLst/>
+          </a:prstGeom>
+        </p:spPr>
+        <p:style>
+          <a:lnRef idx="2">
+            <a:schemeClr val="accent1">
+              <a:shade val="50000"/>
+            </a:schemeClr>
+          </a:lnRef>
+          <a:fillRef idx="1">
+            <a:schemeClr val="accent1"/>
+          </a:fillRef>
+          <a:effectRef idx="0">
+            <a:schemeClr val="accent1"/>
+          </a:effectRef>
+          <a:fontRef idx="minor">
+            <a:schemeClr val="lt1"/>
+          </a:fontRef>
+        </p:style>
+        <p:txBody>
+          <a:bodyPr rtlCol="0" anchor="ctr"/>
+          <a:lstStyle/>
+          <a:p>
+            <a:pPr algn="ctr"/>
+            <a:r>
+              <a:rPr lang="pt-BR" sz="2400" dirty="0" smtClean="0"/>
+              <a:t>ISO-TP</a:t>
+            </a:r>
+            <a:endParaRPr lang="pt-BR" sz="2400" dirty="0"/>
+          </a:p>
+        </p:txBody>
+      </p:sp>
+      <p:sp>
+        <p:nvSpPr>
+          <p:cNvPr id="6" name="Retângulo 5"/>
+          <p:cNvSpPr/>
+          <p:nvPr/>
+        </p:nvSpPr>
+        <p:spPr>
+          <a:xfrm>
+            <a:off x="4247241" y="2854666"/>
+            <a:ext cx="1175658" cy="1146629"/>
+          </a:xfrm>
+          <a:prstGeom prst="rect">
+            <a:avLst/>
+          </a:prstGeom>
+        </p:spPr>
+        <p:style>
+          <a:lnRef idx="2">
+            <a:schemeClr val="accent1">
+              <a:shade val="50000"/>
+            </a:schemeClr>
+          </a:lnRef>
+          <a:fillRef idx="1">
+            <a:schemeClr val="accent1"/>
+          </a:fillRef>
+          <a:effectRef idx="0">
+            <a:schemeClr val="accent1"/>
+          </a:effectRef>
+          <a:fontRef idx="minor">
+            <a:schemeClr val="lt1"/>
+          </a:fontRef>
+        </p:style>
+        <p:txBody>
+          <a:bodyPr rtlCol="0" anchor="ctr"/>
+          <a:lstStyle/>
+          <a:p>
+            <a:pPr algn="ctr"/>
+            <a:r>
+              <a:rPr lang="pt-BR" sz="2400" dirty="0" smtClean="0"/>
+              <a:t>GMLAN</a:t>
+            </a:r>
+            <a:endParaRPr lang="pt-BR" sz="2400" dirty="0"/>
+          </a:p>
+        </p:txBody>
+      </p:sp>
+      <p:sp>
+        <p:nvSpPr>
+          <p:cNvPr id="7" name="Retângulo 6"/>
+          <p:cNvSpPr/>
+          <p:nvPr/>
+        </p:nvSpPr>
+        <p:spPr>
+          <a:xfrm>
+            <a:off x="5647867" y="2854665"/>
+            <a:ext cx="1549403" cy="1146629"/>
+          </a:xfrm>
+          <a:prstGeom prst="rect">
+            <a:avLst/>
+          </a:prstGeom>
+        </p:spPr>
+        <p:style>
+          <a:lnRef idx="2">
+            <a:schemeClr val="accent1">
+              <a:shade val="50000"/>
+            </a:schemeClr>
+          </a:lnRef>
+          <a:fillRef idx="1">
+            <a:schemeClr val="accent1"/>
+          </a:fillRef>
+          <a:effectRef idx="0">
+            <a:schemeClr val="accent1"/>
+          </a:effectRef>
+          <a:fontRef idx="minor">
+            <a:schemeClr val="lt1"/>
+          </a:fontRef>
+        </p:style>
+        <p:txBody>
+          <a:bodyPr rtlCol="0" anchor="ctr"/>
+          <a:lstStyle/>
+          <a:p>
+            <a:pPr algn="ctr"/>
+            <a:r>
+              <a:rPr lang="pt-BR" sz="2400" dirty="0" err="1" smtClean="0"/>
+              <a:t>CANopen</a:t>
+            </a:r>
+            <a:endParaRPr lang="pt-BR" sz="2400" dirty="0"/>
+          </a:p>
+        </p:txBody>
+      </p:sp>
+      <p:sp>
+        <p:nvSpPr>
+          <p:cNvPr id="8" name="Retângulo 7"/>
+          <p:cNvSpPr/>
+          <p:nvPr/>
+        </p:nvSpPr>
+        <p:spPr>
+          <a:xfrm>
+            <a:off x="7422237" y="2854665"/>
+            <a:ext cx="1591133" cy="1146629"/>
+          </a:xfrm>
+          <a:prstGeom prst="rect">
+            <a:avLst/>
+          </a:prstGeom>
+        </p:spPr>
+        <p:style>
+          <a:lnRef idx="2">
+            <a:schemeClr val="accent1">
+              <a:shade val="50000"/>
+            </a:schemeClr>
+          </a:lnRef>
+          <a:fillRef idx="1">
+            <a:schemeClr val="accent1"/>
+          </a:fillRef>
+          <a:effectRef idx="0">
+            <a:schemeClr val="accent1"/>
+          </a:effectRef>
+          <a:fontRef idx="minor">
+            <a:schemeClr val="lt1"/>
+          </a:fontRef>
+        </p:style>
+        <p:txBody>
+          <a:bodyPr rtlCol="0" anchor="ctr"/>
+          <a:lstStyle/>
+          <a:p>
+            <a:pPr algn="ctr"/>
+            <a:r>
+              <a:rPr lang="pt-BR" sz="2400" dirty="0" err="1" smtClean="0"/>
+              <a:t>Familia</a:t>
+            </a:r>
+            <a:r>
+              <a:rPr lang="pt-BR" sz="2400" dirty="0" smtClean="0"/>
+              <a:t> Protocolos CAN</a:t>
+            </a:r>
+            <a:endParaRPr lang="pt-BR" sz="2400" dirty="0"/>
+          </a:p>
+        </p:txBody>
+      </p:sp>
+      <p:sp>
+        <p:nvSpPr>
+          <p:cNvPr id="9" name="Seta para cima e para baixo 8"/>
+          <p:cNvSpPr/>
+          <p:nvPr/>
+        </p:nvSpPr>
+        <p:spPr>
+          <a:xfrm>
+            <a:off x="3307445" y="4038767"/>
+            <a:ext cx="190497" cy="271976"/>
+          </a:xfrm>
+          <a:prstGeom prst="upDownArrow">
+            <a:avLst/>
+          </a:prstGeom>
+          <a:solidFill>
+            <a:srgbClr val="FF0000"/>
+          </a:solidFill>
+          <a:ln>
+            <a:solidFill>
+              <a:srgbClr val="FF0000"/>
+            </a:solidFill>
+          </a:ln>
+        </p:spPr>
+        <p:style>
+          <a:lnRef idx="2">
+            <a:schemeClr val="accent1">
+              <a:shade val="50000"/>
+            </a:schemeClr>
+          </a:lnRef>
+          <a:fillRef idx="1">
+            <a:schemeClr val="accent1"/>
+          </a:fillRef>
+          <a:effectRef idx="0">
+            <a:schemeClr val="accent1"/>
+          </a:effectRef>
+          <a:fontRef idx="minor">
+            <a:schemeClr val="lt1"/>
+          </a:fontRef>
+        </p:style>
+        <p:txBody>
+          <a:bodyPr rtlCol="0" anchor="ctr"/>
+          <a:lstStyle/>
+          <a:p>
+            <a:pPr algn="ctr"/>
+            <a:endParaRPr lang="pt-BR"/>
+          </a:p>
+        </p:txBody>
+      </p:sp>
+      <p:sp>
+        <p:nvSpPr>
+          <p:cNvPr id="10" name="Seta para cima e para baixo 9"/>
+          <p:cNvSpPr/>
+          <p:nvPr/>
+        </p:nvSpPr>
+        <p:spPr>
+          <a:xfrm>
+            <a:off x="4722587" y="4046026"/>
+            <a:ext cx="190497" cy="271976"/>
+          </a:xfrm>
+          <a:prstGeom prst="upDownArrow">
+            <a:avLst/>
+          </a:prstGeom>
+          <a:solidFill>
+            <a:srgbClr val="FF0000"/>
+          </a:solidFill>
+          <a:ln>
+            <a:solidFill>
+              <a:srgbClr val="FF0000"/>
+            </a:solidFill>
+          </a:ln>
+        </p:spPr>
+        <p:style>
+          <a:lnRef idx="2">
+            <a:schemeClr val="accent1">
+              <a:shade val="50000"/>
+            </a:schemeClr>
+          </a:lnRef>
+          <a:fillRef idx="1">
+            <a:schemeClr val="accent1"/>
+          </a:fillRef>
+          <a:effectRef idx="0">
+            <a:schemeClr val="accent1"/>
+          </a:effectRef>
+          <a:fontRef idx="minor">
+            <a:schemeClr val="lt1"/>
+          </a:fontRef>
+        </p:style>
+        <p:txBody>
+          <a:bodyPr rtlCol="0" anchor="ctr"/>
+          <a:lstStyle/>
+          <a:p>
+            <a:pPr algn="ctr"/>
+            <a:endParaRPr lang="pt-BR"/>
+          </a:p>
+        </p:txBody>
+      </p:sp>
+      <p:sp>
+        <p:nvSpPr>
+          <p:cNvPr id="11" name="Seta para cima e para baixo 10"/>
+          <p:cNvSpPr/>
+          <p:nvPr/>
+        </p:nvSpPr>
+        <p:spPr>
+          <a:xfrm>
+            <a:off x="6333676" y="4031513"/>
+            <a:ext cx="190497" cy="271976"/>
+          </a:xfrm>
+          <a:prstGeom prst="upDownArrow">
+            <a:avLst/>
+          </a:prstGeom>
+          <a:solidFill>
+            <a:srgbClr val="FF0000"/>
+          </a:solidFill>
+          <a:ln>
+            <a:solidFill>
+              <a:srgbClr val="FF0000"/>
+            </a:solidFill>
+          </a:ln>
+        </p:spPr>
+        <p:style>
+          <a:lnRef idx="2">
+            <a:schemeClr val="accent1">
+              <a:shade val="50000"/>
+            </a:schemeClr>
+          </a:lnRef>
+          <a:fillRef idx="1">
+            <a:schemeClr val="accent1"/>
+          </a:fillRef>
+          <a:effectRef idx="0">
+            <a:schemeClr val="accent1"/>
+          </a:effectRef>
+          <a:fontRef idx="minor">
+            <a:schemeClr val="lt1"/>
+          </a:fontRef>
+        </p:style>
+        <p:txBody>
+          <a:bodyPr rtlCol="0" anchor="ctr"/>
+          <a:lstStyle/>
+          <a:p>
+            <a:pPr algn="ctr"/>
+            <a:endParaRPr lang="pt-BR"/>
+          </a:p>
+        </p:txBody>
+      </p:sp>
+      <p:sp>
+        <p:nvSpPr>
+          <p:cNvPr id="12" name="Seta para cima e para baixo 11"/>
+          <p:cNvSpPr/>
+          <p:nvPr/>
+        </p:nvSpPr>
+        <p:spPr>
+          <a:xfrm>
+            <a:off x="8089903" y="4046027"/>
+            <a:ext cx="190497" cy="271976"/>
+          </a:xfrm>
+          <a:prstGeom prst="upDownArrow">
+            <a:avLst/>
+          </a:prstGeom>
+          <a:solidFill>
+            <a:srgbClr val="FF0000"/>
+          </a:solidFill>
+          <a:ln>
+            <a:solidFill>
+              <a:srgbClr val="FF0000"/>
+            </a:solidFill>
+          </a:ln>
+        </p:spPr>
+        <p:style>
+          <a:lnRef idx="2">
+            <a:schemeClr val="accent1">
+              <a:shade val="50000"/>
+            </a:schemeClr>
+          </a:lnRef>
+          <a:fillRef idx="1">
+            <a:schemeClr val="accent1"/>
+          </a:fillRef>
+          <a:effectRef idx="0">
+            <a:schemeClr val="accent1"/>
+          </a:effectRef>
+          <a:fontRef idx="minor">
+            <a:schemeClr val="lt1"/>
+          </a:fontRef>
+        </p:style>
+        <p:txBody>
+          <a:bodyPr rtlCol="0" anchor="ctr"/>
+          <a:lstStyle/>
+          <a:p>
+            <a:pPr algn="ctr"/>
+            <a:endParaRPr lang="pt-BR"/>
           </a:p>
         </p:txBody>
       </p:sp>
     </p:spTree>
     <p:extLst>
       <p:ext uri="{BB962C8B-B14F-4D97-AF65-F5344CB8AC3E}">
-        <p14:creationId xmlns:p14="http://schemas.microsoft.com/office/powerpoint/2010/main" val="53090956"/>
+        <p14:creationId xmlns:p14="http://schemas.microsoft.com/office/powerpoint/2010/main" val="473612732"/>
       </p:ext>
     </p:extLst>
   </p:cSld>
   <p:clrMapOvr>
     <a:masterClrMapping/>
   </p:clrMapOvr>
+  <p:timing>
+    <p:tnLst>
+      <p:par>
+        <p:cTn id="1" dur="indefinite" restart="never" nodeType="tmRoot"/>
+      </p:par>
+    </p:tnLst>
+  </p:timing>
 </p:sld>
 </file>
 
@@ -4695,14 +6815,16 @@
         </p:nvSpPr>
         <p:spPr/>
         <p:txBody>
-          <a:bodyPr/>
-          <a:lstStyle/>
-          <a:p>
-            <a:r>
-              <a:rPr lang="pt-BR" dirty="0" smtClean="0"/>
-              <a:t>Metodologia</a:t>
-            </a:r>
-            <a:endParaRPr lang="pt-BR" dirty="0"/>
+          <a:bodyPr>
+            <a:normAutofit/>
+          </a:bodyPr>
+          <a:lstStyle/>
+          <a:p>
+            <a:r>
+              <a:rPr lang="pt-BR" sz="5400" dirty="0" smtClean="0"/>
+              <a:t>Fundamentação Teórica</a:t>
+            </a:r>
+            <a:endParaRPr lang="pt-BR" sz="5400" dirty="0"/>
           </a:p>
         </p:txBody>
       </p:sp>
@@ -4718,105 +6840,92 @@
         </p:nvSpPr>
         <p:spPr/>
         <p:txBody>
-          <a:bodyPr/>
-          <a:lstStyle/>
-          <a:p>
-            <a:r>
-              <a:rPr lang="pt-BR" dirty="0" smtClean="0"/>
-              <a:t>Linguagem JAVA -&gt; Python</a:t>
-            </a:r>
-          </a:p>
-          <a:p>
-            <a:r>
-              <a:rPr lang="pt-BR" dirty="0" smtClean="0"/>
-              <a:t>Biblioteca </a:t>
-            </a:r>
-            <a:r>
-              <a:rPr lang="pt-BR" dirty="0" err="1" smtClean="0"/>
-              <a:t>java</a:t>
-            </a:r>
-            <a:r>
-              <a:rPr lang="pt-BR" dirty="0" smtClean="0"/>
-              <a:t> </a:t>
-            </a:r>
-            <a:r>
-              <a:rPr lang="pt-BR" dirty="0" err="1" smtClean="0"/>
-              <a:t>Bluecove</a:t>
-            </a:r>
-            <a:endParaRPr lang="pt-BR" dirty="0" smtClean="0"/>
-          </a:p>
-          <a:p>
-            <a:r>
-              <a:rPr lang="pt-BR" dirty="0" smtClean="0"/>
-              <a:t>Framework </a:t>
-            </a:r>
-            <a:r>
-              <a:rPr lang="pt-BR" dirty="0" err="1" smtClean="0"/>
-              <a:t>JavaFx</a:t>
-            </a:r>
-            <a:endParaRPr lang="pt-BR" dirty="0" smtClean="0"/>
-          </a:p>
-          <a:p>
-            <a:r>
-              <a:rPr lang="pt-BR" dirty="0" err="1" smtClean="0"/>
-              <a:t>Raspberry</a:t>
-            </a:r>
-            <a:r>
-              <a:rPr lang="pt-BR" dirty="0" smtClean="0"/>
-              <a:t> PI3</a:t>
-            </a:r>
-          </a:p>
-          <a:p>
-            <a:r>
-              <a:rPr lang="pt-BR" dirty="0" smtClean="0"/>
-              <a:t>ELM327</a:t>
-            </a:r>
-          </a:p>
-          <a:p>
-            <a:r>
-              <a:rPr lang="pt-BR" dirty="0" err="1" smtClean="0"/>
-              <a:t>Bliblioteca</a:t>
-            </a:r>
-            <a:r>
-              <a:rPr lang="pt-BR" dirty="0"/>
-              <a:t> </a:t>
-            </a:r>
-            <a:r>
-              <a:rPr lang="pt-BR" dirty="0" smtClean="0"/>
-              <a:t>OBDII Java – (</a:t>
-            </a:r>
-            <a:r>
-              <a:rPr lang="pt-BR" dirty="0" err="1" smtClean="0"/>
-              <a:t>Github</a:t>
-            </a:r>
-            <a:r>
-              <a:rPr lang="pt-BR" dirty="0" smtClean="0"/>
-              <a:t> pires)</a:t>
-            </a:r>
-          </a:p>
-          <a:p>
-            <a:r>
-              <a:rPr lang="pt-BR" dirty="0" err="1" smtClean="0"/>
-              <a:t>Amazon</a:t>
-            </a:r>
-            <a:r>
-              <a:rPr lang="pt-BR" dirty="0" smtClean="0"/>
-              <a:t> Web Service</a:t>
-            </a:r>
-            <a:endParaRPr lang="pt-BR" dirty="0"/>
+          <a:bodyPr>
+            <a:normAutofit/>
+          </a:bodyPr>
+          <a:lstStyle/>
+          <a:p>
+            <a:r>
+              <a:rPr lang="pt-BR" sz="3600" dirty="0" smtClean="0"/>
+              <a:t>Protocolos da rede veicular interna</a:t>
+            </a:r>
+          </a:p>
+          <a:p>
+            <a:pPr marL="0" indent="0">
+              <a:buNone/>
+            </a:pPr>
+            <a:r>
+              <a:rPr lang="pt-BR" sz="3600" dirty="0" smtClean="0"/>
+              <a:t>Protocolo CAN (</a:t>
+            </a:r>
+            <a:r>
+              <a:rPr lang="pt-BR" sz="3600" dirty="0" err="1" smtClean="0"/>
+              <a:t>Controller</a:t>
+            </a:r>
+            <a:r>
+              <a:rPr lang="pt-BR" sz="3600" dirty="0" smtClean="0"/>
+              <a:t> Área Network)</a:t>
+            </a:r>
+          </a:p>
+          <a:p>
+            <a:pPr lvl="1"/>
+            <a:r>
+              <a:rPr lang="pt-BR" sz="3200" dirty="0" smtClean="0"/>
+              <a:t>Permite que sistemas embarcados automotivos se comuniquem entre si</a:t>
+            </a:r>
+          </a:p>
+          <a:p>
+            <a:pPr lvl="1"/>
+            <a:r>
+              <a:rPr lang="pt-BR" sz="3200" dirty="0" err="1" smtClean="0"/>
+              <a:t>Ex</a:t>
+            </a:r>
+            <a:r>
+              <a:rPr lang="pt-BR" sz="3200" dirty="0" smtClean="0"/>
+              <a:t>: Sensores-&gt;ECU</a:t>
+            </a:r>
+          </a:p>
+          <a:p>
+            <a:pPr marL="457200" lvl="1" indent="0">
+              <a:buNone/>
+            </a:pPr>
+            <a:r>
+              <a:rPr lang="pt-BR" sz="3200" dirty="0" smtClean="0"/>
+              <a:t>	    ECU-&gt;ECU</a:t>
+            </a:r>
+          </a:p>
+          <a:p>
+            <a:pPr marL="457200" lvl="1" indent="0">
+              <a:buNone/>
+            </a:pPr>
+            <a:r>
+              <a:rPr lang="pt-BR" sz="3200" dirty="0" smtClean="0"/>
+              <a:t>	    ECU-&gt;Atuadores</a:t>
+            </a:r>
+            <a:endParaRPr lang="pt-BR" sz="3200" dirty="0" smtClean="0"/>
+          </a:p>
+          <a:p>
+            <a:endParaRPr lang="pt-BR" sz="3600" dirty="0" smtClean="0"/>
           </a:p>
         </p:txBody>
       </p:sp>
     </p:spTree>
     <p:extLst>
       <p:ext uri="{BB962C8B-B14F-4D97-AF65-F5344CB8AC3E}">
-        <p14:creationId xmlns:p14="http://schemas.microsoft.com/office/powerpoint/2010/main" val="3820180572"/>
+        <p14:creationId xmlns:p14="http://schemas.microsoft.com/office/powerpoint/2010/main" val="101422358"/>
       </p:ext>
     </p:extLst>
   </p:cSld>
   <p:clrMapOvr>
     <a:masterClrMapping/>
   </p:clrMapOvr>
+  <p:timing>
+    <p:tnLst>
+      <p:par>
+        <p:cTn id="1" dur="indefinite" restart="never" nodeType="tmRoot"/>
+      </p:par>
+    </p:tnLst>
+  </p:timing>
 </p:sld>
 </file>
 
